--- a/Probability_and_Statistics.pptx
+++ b/Probability_and_Statistics.pptx
@@ -1,11 +1,11 @@
 
 <file path=ppt/presentation.xml><?xml version="1.0" encoding="utf-8"?>
-<p:presentation xmlns:a="http://schemas.openxmlformats.org/drawingml/2006/main" xmlns:r="http://schemas.openxmlformats.org/officeDocument/2006/relationships" xmlns:p="http://schemas.openxmlformats.org/presentationml/2006/main" saveSubsetFonts="1">
+<p:presentation xmlns:a="http://schemas.openxmlformats.org/drawingml/2006/main" xmlns:r="http://schemas.openxmlformats.org/officeDocument/2006/relationships" xmlns:p="http://schemas.openxmlformats.org/presentationml/2006/main">
   <p:sldMasterIdLst>
     <p:sldMasterId id="2147483648" r:id="rId1"/>
   </p:sldMasterIdLst>
   <p:notesMasterIdLst>
-    <p:notesMasterId r:id="rId8"/>
+    <p:notesMasterId r:id="rId7"/>
   </p:notesMasterIdLst>
   <p:sldIdLst>
     <p:sldId id="259" r:id="rId2"/>
@@ -13,7 +13,6 @@
     <p:sldId id="257" r:id="rId4"/>
     <p:sldId id="258" r:id="rId5"/>
     <p:sldId id="261" r:id="rId6"/>
-    <p:sldId id="260" r:id="rId7"/>
   </p:sldIdLst>
   <p:sldSz cx="12192000" cy="6858000"/>
   <p:notesSz cx="6858000" cy="9144000"/>
@@ -112,6 +111,11 @@
       </a:defRPr>
     </a:lvl9pPr>
   </p:defaultTextStyle>
+  <p:extLst>
+    <p:ext uri="{EFAFB233-063F-42B5-8137-9DF3F51BA10A}">
+      <p15:sldGuideLst xmlns:p15="http://schemas.microsoft.com/office/powerpoint/2012/main"/>
+    </p:ext>
+  </p:extLst>
 </p:presentation>
 </file>
 
@@ -197,7 +201,7 @@
           <a:p>
             <a:fld id="{442FAA5C-5E4D-4802-BE4A-B21F4C412D0F}" type="datetimeFigureOut">
               <a:rPr lang="en-US" smtClean="0"/>
-              <a:t>9/2/2022</a:t>
+              <a:t>9/6/2022</a:t>
             </a:fld>
             <a:endParaRPr lang="en-US"/>
           </a:p>
@@ -362,11 +366,6 @@
         </p:txBody>
       </p:sp>
     </p:spTree>
-    <p:extLst>
-      <p:ext uri="{BB962C8B-B14F-4D97-AF65-F5344CB8AC3E}">
-        <p14:creationId xmlns:p14="http://schemas.microsoft.com/office/powerpoint/2010/main" val="4138359749"/>
-      </p:ext>
-    </p:extLst>
   </p:cSld>
   <p:clrMap bg1="lt1" tx1="dk1" bg2="lt2" tx2="dk2" accent1="accent1" accent2="accent2" accent3="accent3" accent4="accent4" accent5="accent5" accent6="accent6" hlink="hlink" folHlink="folHlink"/>
   <p:notesStyle>
@@ -546,11 +545,6 @@
         </p:txBody>
       </p:sp>
     </p:spTree>
-    <p:extLst>
-      <p:ext uri="{BB962C8B-B14F-4D97-AF65-F5344CB8AC3E}">
-        <p14:creationId xmlns:p14="http://schemas.microsoft.com/office/powerpoint/2010/main" val="2604094611"/>
-      </p:ext>
-    </p:extLst>
   </p:cSld>
   <p:clrMapOvr>
     <a:masterClrMapping/>
@@ -633,11 +627,6 @@
         </p:txBody>
       </p:sp>
     </p:spTree>
-    <p:extLst>
-      <p:ext uri="{BB962C8B-B14F-4D97-AF65-F5344CB8AC3E}">
-        <p14:creationId xmlns:p14="http://schemas.microsoft.com/office/powerpoint/2010/main" val="9977449"/>
-      </p:ext>
-    </p:extLst>
   </p:cSld>
   <p:clrMapOvr>
     <a:masterClrMapping/>
@@ -720,11 +709,6 @@
         </p:txBody>
       </p:sp>
     </p:spTree>
-    <p:extLst>
-      <p:ext uri="{BB962C8B-B14F-4D97-AF65-F5344CB8AC3E}">
-        <p14:creationId xmlns:p14="http://schemas.microsoft.com/office/powerpoint/2010/main" val="222250824"/>
-      </p:ext>
-    </p:extLst>
   </p:cSld>
   <p:clrMapOvr>
     <a:masterClrMapping/>
@@ -751,13 +735,7 @@
       </p:grpSpPr>
       <p:sp>
         <p:nvSpPr>
-          <p:cNvPr id="2" name="Title 1">
-            <a:extLst>
-              <a:ext uri="{FF2B5EF4-FFF2-40B4-BE49-F238E27FC236}">
-                <a16:creationId xmlns:a16="http://schemas.microsoft.com/office/drawing/2014/main" id="{536C201E-25E0-17B6-32D1-4D8D276A470B}"/>
-              </a:ext>
-            </a:extLst>
-          </p:cNvPr>
+          <p:cNvPr id="2" name="Title 1"/>
           <p:cNvSpPr>
             <a:spLocks noGrp="1"/>
           </p:cNvSpPr>
@@ -788,13 +766,7 @@
       </p:sp>
       <p:sp>
         <p:nvSpPr>
-          <p:cNvPr id="3" name="Subtitle 2">
-            <a:extLst>
-              <a:ext uri="{FF2B5EF4-FFF2-40B4-BE49-F238E27FC236}">
-                <a16:creationId xmlns:a16="http://schemas.microsoft.com/office/drawing/2014/main" id="{C522CC8D-822A-3D15-13CE-C7E8373DD945}"/>
-              </a:ext>
-            </a:extLst>
-          </p:cNvPr>
+          <p:cNvPr id="3" name="Subtitle 2"/>
           <p:cNvSpPr>
             <a:spLocks noGrp="1"/>
           </p:cNvSpPr>
@@ -858,13 +830,7 @@
       </p:sp>
       <p:sp>
         <p:nvSpPr>
-          <p:cNvPr id="4" name="Date Placeholder 3">
-            <a:extLst>
-              <a:ext uri="{FF2B5EF4-FFF2-40B4-BE49-F238E27FC236}">
-                <a16:creationId xmlns:a16="http://schemas.microsoft.com/office/drawing/2014/main" id="{951E5F2F-69AB-7F6E-D67F-AEDA9B61BE70}"/>
-              </a:ext>
-            </a:extLst>
-          </p:cNvPr>
+          <p:cNvPr id="4" name="Date Placeholder 3"/>
           <p:cNvSpPr>
             <a:spLocks noGrp="1"/>
           </p:cNvSpPr>
@@ -879,7 +845,7 @@
           <a:p>
             <a:fld id="{1EC325BA-E52F-4C15-A6EA-08B770105F49}" type="datetimeFigureOut">
               <a:rPr lang="en-US" smtClean="0"/>
-              <a:t>9/2/2022</a:t>
+              <a:t>9/6/2022</a:t>
             </a:fld>
             <a:endParaRPr lang="en-US"/>
           </a:p>
@@ -887,13 +853,7 @@
       </p:sp>
       <p:sp>
         <p:nvSpPr>
-          <p:cNvPr id="5" name="Footer Placeholder 4">
-            <a:extLst>
-              <a:ext uri="{FF2B5EF4-FFF2-40B4-BE49-F238E27FC236}">
-                <a16:creationId xmlns:a16="http://schemas.microsoft.com/office/drawing/2014/main" id="{20ACF6D3-CD88-A4A4-94DE-CDC2865CA2FB}"/>
-              </a:ext>
-            </a:extLst>
-          </p:cNvPr>
+          <p:cNvPr id="5" name="Footer Placeholder 4"/>
           <p:cNvSpPr>
             <a:spLocks noGrp="1"/>
           </p:cNvSpPr>
@@ -912,13 +872,7 @@
       </p:sp>
       <p:sp>
         <p:nvSpPr>
-          <p:cNvPr id="6" name="Slide Number Placeholder 5">
-            <a:extLst>
-              <a:ext uri="{FF2B5EF4-FFF2-40B4-BE49-F238E27FC236}">
-                <a16:creationId xmlns:a16="http://schemas.microsoft.com/office/drawing/2014/main" id="{07BEE714-EA63-21C0-A3C3-6ED9D83FD0A6}"/>
-              </a:ext>
-            </a:extLst>
-          </p:cNvPr>
+          <p:cNvPr id="6" name="Slide Number Placeholder 5"/>
           <p:cNvSpPr>
             <a:spLocks noGrp="1"/>
           </p:cNvSpPr>
@@ -940,11 +894,6 @@
         </p:txBody>
       </p:sp>
     </p:spTree>
-    <p:extLst>
-      <p:ext uri="{BB962C8B-B14F-4D97-AF65-F5344CB8AC3E}">
-        <p14:creationId xmlns:p14="http://schemas.microsoft.com/office/powerpoint/2010/main" val="3475920666"/>
-      </p:ext>
-    </p:extLst>
   </p:cSld>
   <p:clrMapOvr>
     <a:masterClrMapping/>
@@ -971,13 +920,7 @@
       </p:grpSpPr>
       <p:sp>
         <p:nvSpPr>
-          <p:cNvPr id="2" name="Title 1">
-            <a:extLst>
-              <a:ext uri="{FF2B5EF4-FFF2-40B4-BE49-F238E27FC236}">
-                <a16:creationId xmlns:a16="http://schemas.microsoft.com/office/drawing/2014/main" id="{868B679A-60BB-422D-9F72-7B3A8F6F45CC}"/>
-              </a:ext>
-            </a:extLst>
-          </p:cNvPr>
+          <p:cNvPr id="2" name="Title 1"/>
           <p:cNvSpPr>
             <a:spLocks noGrp="1"/>
           </p:cNvSpPr>
@@ -999,13 +942,7 @@
       </p:sp>
       <p:sp>
         <p:nvSpPr>
-          <p:cNvPr id="3" name="Vertical Text Placeholder 2">
-            <a:extLst>
-              <a:ext uri="{FF2B5EF4-FFF2-40B4-BE49-F238E27FC236}">
-                <a16:creationId xmlns:a16="http://schemas.microsoft.com/office/drawing/2014/main" id="{6C6AA3F0-0DF5-C081-2125-D0691CEEC7BA}"/>
-              </a:ext>
-            </a:extLst>
-          </p:cNvPr>
+          <p:cNvPr id="3" name="Vertical Text Placeholder 2"/>
           <p:cNvSpPr>
             <a:spLocks noGrp="1"/>
           </p:cNvSpPr>
@@ -1056,13 +993,7 @@
       </p:sp>
       <p:sp>
         <p:nvSpPr>
-          <p:cNvPr id="4" name="Date Placeholder 3">
-            <a:extLst>
-              <a:ext uri="{FF2B5EF4-FFF2-40B4-BE49-F238E27FC236}">
-                <a16:creationId xmlns:a16="http://schemas.microsoft.com/office/drawing/2014/main" id="{1ACB27B1-33C4-9307-FAB7-9C10579623F0}"/>
-              </a:ext>
-            </a:extLst>
-          </p:cNvPr>
+          <p:cNvPr id="4" name="Date Placeholder 3"/>
           <p:cNvSpPr>
             <a:spLocks noGrp="1"/>
           </p:cNvSpPr>
@@ -1077,7 +1008,7 @@
           <a:p>
             <a:fld id="{1EC325BA-E52F-4C15-A6EA-08B770105F49}" type="datetimeFigureOut">
               <a:rPr lang="en-US" smtClean="0"/>
-              <a:t>9/2/2022</a:t>
+              <a:t>9/6/2022</a:t>
             </a:fld>
             <a:endParaRPr lang="en-US"/>
           </a:p>
@@ -1085,13 +1016,7 @@
       </p:sp>
       <p:sp>
         <p:nvSpPr>
-          <p:cNvPr id="5" name="Footer Placeholder 4">
-            <a:extLst>
-              <a:ext uri="{FF2B5EF4-FFF2-40B4-BE49-F238E27FC236}">
-                <a16:creationId xmlns:a16="http://schemas.microsoft.com/office/drawing/2014/main" id="{44A1BE31-B267-09D5-3010-47A37F686B82}"/>
-              </a:ext>
-            </a:extLst>
-          </p:cNvPr>
+          <p:cNvPr id="5" name="Footer Placeholder 4"/>
           <p:cNvSpPr>
             <a:spLocks noGrp="1"/>
           </p:cNvSpPr>
@@ -1110,13 +1035,7 @@
       </p:sp>
       <p:sp>
         <p:nvSpPr>
-          <p:cNvPr id="6" name="Slide Number Placeholder 5">
-            <a:extLst>
-              <a:ext uri="{FF2B5EF4-FFF2-40B4-BE49-F238E27FC236}">
-                <a16:creationId xmlns:a16="http://schemas.microsoft.com/office/drawing/2014/main" id="{B7AD90A1-0809-02E7-8BCA-D660A4ADC147}"/>
-              </a:ext>
-            </a:extLst>
-          </p:cNvPr>
+          <p:cNvPr id="6" name="Slide Number Placeholder 5"/>
           <p:cNvSpPr>
             <a:spLocks noGrp="1"/>
           </p:cNvSpPr>
@@ -1138,11 +1057,6 @@
         </p:txBody>
       </p:sp>
     </p:spTree>
-    <p:extLst>
-      <p:ext uri="{BB962C8B-B14F-4D97-AF65-F5344CB8AC3E}">
-        <p14:creationId xmlns:p14="http://schemas.microsoft.com/office/powerpoint/2010/main" val="1042263310"/>
-      </p:ext>
-    </p:extLst>
   </p:cSld>
   <p:clrMapOvr>
     <a:masterClrMapping/>
@@ -1169,13 +1083,7 @@
       </p:grpSpPr>
       <p:sp>
         <p:nvSpPr>
-          <p:cNvPr id="2" name="Vertical Title 1">
-            <a:extLst>
-              <a:ext uri="{FF2B5EF4-FFF2-40B4-BE49-F238E27FC236}">
-                <a16:creationId xmlns:a16="http://schemas.microsoft.com/office/drawing/2014/main" id="{BD0D3D19-9DC9-9BA4-C342-55D181A697F3}"/>
-              </a:ext>
-            </a:extLst>
-          </p:cNvPr>
+          <p:cNvPr id="2" name="Vertical Title 1"/>
           <p:cNvSpPr>
             <a:spLocks noGrp="1"/>
           </p:cNvSpPr>
@@ -1202,13 +1110,7 @@
       </p:sp>
       <p:sp>
         <p:nvSpPr>
-          <p:cNvPr id="3" name="Vertical Text Placeholder 2">
-            <a:extLst>
-              <a:ext uri="{FF2B5EF4-FFF2-40B4-BE49-F238E27FC236}">
-                <a16:creationId xmlns:a16="http://schemas.microsoft.com/office/drawing/2014/main" id="{BF7A1863-09FD-7436-60C5-43CAA23A260F}"/>
-              </a:ext>
-            </a:extLst>
-          </p:cNvPr>
+          <p:cNvPr id="3" name="Vertical Text Placeholder 2"/>
           <p:cNvSpPr>
             <a:spLocks noGrp="1"/>
           </p:cNvSpPr>
@@ -1264,13 +1166,7 @@
       </p:sp>
       <p:sp>
         <p:nvSpPr>
-          <p:cNvPr id="4" name="Date Placeholder 3">
-            <a:extLst>
-              <a:ext uri="{FF2B5EF4-FFF2-40B4-BE49-F238E27FC236}">
-                <a16:creationId xmlns:a16="http://schemas.microsoft.com/office/drawing/2014/main" id="{6DE98066-A62B-2DBA-AE61-9B8B97DC5053}"/>
-              </a:ext>
-            </a:extLst>
-          </p:cNvPr>
+          <p:cNvPr id="4" name="Date Placeholder 3"/>
           <p:cNvSpPr>
             <a:spLocks noGrp="1"/>
           </p:cNvSpPr>
@@ -1285,7 +1181,7 @@
           <a:p>
             <a:fld id="{1EC325BA-E52F-4C15-A6EA-08B770105F49}" type="datetimeFigureOut">
               <a:rPr lang="en-US" smtClean="0"/>
-              <a:t>9/2/2022</a:t>
+              <a:t>9/6/2022</a:t>
             </a:fld>
             <a:endParaRPr lang="en-US"/>
           </a:p>
@@ -1293,13 +1189,7 @@
       </p:sp>
       <p:sp>
         <p:nvSpPr>
-          <p:cNvPr id="5" name="Footer Placeholder 4">
-            <a:extLst>
-              <a:ext uri="{FF2B5EF4-FFF2-40B4-BE49-F238E27FC236}">
-                <a16:creationId xmlns:a16="http://schemas.microsoft.com/office/drawing/2014/main" id="{B1A84F4C-0995-39F1-4DBD-F532753AC4B0}"/>
-              </a:ext>
-            </a:extLst>
-          </p:cNvPr>
+          <p:cNvPr id="5" name="Footer Placeholder 4"/>
           <p:cNvSpPr>
             <a:spLocks noGrp="1"/>
           </p:cNvSpPr>
@@ -1318,13 +1208,7 @@
       </p:sp>
       <p:sp>
         <p:nvSpPr>
-          <p:cNvPr id="6" name="Slide Number Placeholder 5">
-            <a:extLst>
-              <a:ext uri="{FF2B5EF4-FFF2-40B4-BE49-F238E27FC236}">
-                <a16:creationId xmlns:a16="http://schemas.microsoft.com/office/drawing/2014/main" id="{CAC5C3A7-85C5-AEE4-88C2-35A97D39FBE3}"/>
-              </a:ext>
-            </a:extLst>
-          </p:cNvPr>
+          <p:cNvPr id="6" name="Slide Number Placeholder 5"/>
           <p:cNvSpPr>
             <a:spLocks noGrp="1"/>
           </p:cNvSpPr>
@@ -1346,11 +1230,6 @@
         </p:txBody>
       </p:sp>
     </p:spTree>
-    <p:extLst>
-      <p:ext uri="{BB962C8B-B14F-4D97-AF65-F5344CB8AC3E}">
-        <p14:creationId xmlns:p14="http://schemas.microsoft.com/office/powerpoint/2010/main" val="2785119227"/>
-      </p:ext>
-    </p:extLst>
   </p:cSld>
   <p:clrMapOvr>
     <a:masterClrMapping/>
@@ -1377,13 +1256,7 @@
       </p:grpSpPr>
       <p:sp>
         <p:nvSpPr>
-          <p:cNvPr id="2" name="Title 1">
-            <a:extLst>
-              <a:ext uri="{FF2B5EF4-FFF2-40B4-BE49-F238E27FC236}">
-                <a16:creationId xmlns:a16="http://schemas.microsoft.com/office/drawing/2014/main" id="{8F54B249-FE99-85C8-C6CE-DC57BFBACCDF}"/>
-              </a:ext>
-            </a:extLst>
-          </p:cNvPr>
+          <p:cNvPr id="2" name="Title 1"/>
           <p:cNvSpPr>
             <a:spLocks noGrp="1"/>
           </p:cNvSpPr>
@@ -1405,13 +1278,7 @@
       </p:sp>
       <p:sp>
         <p:nvSpPr>
-          <p:cNvPr id="3" name="Content Placeholder 2">
-            <a:extLst>
-              <a:ext uri="{FF2B5EF4-FFF2-40B4-BE49-F238E27FC236}">
-                <a16:creationId xmlns:a16="http://schemas.microsoft.com/office/drawing/2014/main" id="{A4D408D6-2CC5-540F-6F88-718FDEFD4A5F}"/>
-              </a:ext>
-            </a:extLst>
-          </p:cNvPr>
+          <p:cNvPr id="3" name="Content Placeholder 2"/>
           <p:cNvSpPr>
             <a:spLocks noGrp="1"/>
           </p:cNvSpPr>
@@ -1462,13 +1329,7 @@
       </p:sp>
       <p:sp>
         <p:nvSpPr>
-          <p:cNvPr id="4" name="Date Placeholder 3">
-            <a:extLst>
-              <a:ext uri="{FF2B5EF4-FFF2-40B4-BE49-F238E27FC236}">
-                <a16:creationId xmlns:a16="http://schemas.microsoft.com/office/drawing/2014/main" id="{906353A0-4F1A-D21D-F29D-221DF1D3C211}"/>
-              </a:ext>
-            </a:extLst>
-          </p:cNvPr>
+          <p:cNvPr id="4" name="Date Placeholder 3"/>
           <p:cNvSpPr>
             <a:spLocks noGrp="1"/>
           </p:cNvSpPr>
@@ -1483,7 +1344,7 @@
           <a:p>
             <a:fld id="{1EC325BA-E52F-4C15-A6EA-08B770105F49}" type="datetimeFigureOut">
               <a:rPr lang="en-US" smtClean="0"/>
-              <a:t>9/2/2022</a:t>
+              <a:t>9/6/2022</a:t>
             </a:fld>
             <a:endParaRPr lang="en-US"/>
           </a:p>
@@ -1491,13 +1352,7 @@
       </p:sp>
       <p:sp>
         <p:nvSpPr>
-          <p:cNvPr id="5" name="Footer Placeholder 4">
-            <a:extLst>
-              <a:ext uri="{FF2B5EF4-FFF2-40B4-BE49-F238E27FC236}">
-                <a16:creationId xmlns:a16="http://schemas.microsoft.com/office/drawing/2014/main" id="{00F1D0C1-C386-E04E-41DF-B57C0A01021B}"/>
-              </a:ext>
-            </a:extLst>
-          </p:cNvPr>
+          <p:cNvPr id="5" name="Footer Placeholder 4"/>
           <p:cNvSpPr>
             <a:spLocks noGrp="1"/>
           </p:cNvSpPr>
@@ -1516,13 +1371,7 @@
       </p:sp>
       <p:sp>
         <p:nvSpPr>
-          <p:cNvPr id="6" name="Slide Number Placeholder 5">
-            <a:extLst>
-              <a:ext uri="{FF2B5EF4-FFF2-40B4-BE49-F238E27FC236}">
-                <a16:creationId xmlns:a16="http://schemas.microsoft.com/office/drawing/2014/main" id="{ABB5E30C-808F-319E-FEF8-D80EED99A0A0}"/>
-              </a:ext>
-            </a:extLst>
-          </p:cNvPr>
+          <p:cNvPr id="6" name="Slide Number Placeholder 5"/>
           <p:cNvSpPr>
             <a:spLocks noGrp="1"/>
           </p:cNvSpPr>
@@ -1544,11 +1393,6 @@
         </p:txBody>
       </p:sp>
     </p:spTree>
-    <p:extLst>
-      <p:ext uri="{BB962C8B-B14F-4D97-AF65-F5344CB8AC3E}">
-        <p14:creationId xmlns:p14="http://schemas.microsoft.com/office/powerpoint/2010/main" val="676865240"/>
-      </p:ext>
-    </p:extLst>
   </p:cSld>
   <p:clrMapOvr>
     <a:masterClrMapping/>
@@ -1575,13 +1419,7 @@
       </p:grpSpPr>
       <p:sp>
         <p:nvSpPr>
-          <p:cNvPr id="2" name="Title 1">
-            <a:extLst>
-              <a:ext uri="{FF2B5EF4-FFF2-40B4-BE49-F238E27FC236}">
-                <a16:creationId xmlns:a16="http://schemas.microsoft.com/office/drawing/2014/main" id="{BA109D33-B4B5-522C-87DA-788407B08CA7}"/>
-              </a:ext>
-            </a:extLst>
-          </p:cNvPr>
+          <p:cNvPr id="2" name="Title 1"/>
           <p:cNvSpPr>
             <a:spLocks noGrp="1"/>
           </p:cNvSpPr>
@@ -1612,13 +1450,7 @@
       </p:sp>
       <p:sp>
         <p:nvSpPr>
-          <p:cNvPr id="3" name="Text Placeholder 2">
-            <a:extLst>
-              <a:ext uri="{FF2B5EF4-FFF2-40B4-BE49-F238E27FC236}">
-                <a16:creationId xmlns:a16="http://schemas.microsoft.com/office/drawing/2014/main" id="{754AD63E-F183-8010-068A-F8313C5E97B5}"/>
-              </a:ext>
-            </a:extLst>
-          </p:cNvPr>
+          <p:cNvPr id="3" name="Text Placeholder 2"/>
           <p:cNvSpPr>
             <a:spLocks noGrp="1"/>
           </p:cNvSpPr>
@@ -1737,13 +1569,7 @@
       </p:sp>
       <p:sp>
         <p:nvSpPr>
-          <p:cNvPr id="4" name="Date Placeholder 3">
-            <a:extLst>
-              <a:ext uri="{FF2B5EF4-FFF2-40B4-BE49-F238E27FC236}">
-                <a16:creationId xmlns:a16="http://schemas.microsoft.com/office/drawing/2014/main" id="{DEFB3728-A507-E792-7C5C-0A43DCC21400}"/>
-              </a:ext>
-            </a:extLst>
-          </p:cNvPr>
+          <p:cNvPr id="4" name="Date Placeholder 3"/>
           <p:cNvSpPr>
             <a:spLocks noGrp="1"/>
           </p:cNvSpPr>
@@ -1758,7 +1584,7 @@
           <a:p>
             <a:fld id="{1EC325BA-E52F-4C15-A6EA-08B770105F49}" type="datetimeFigureOut">
               <a:rPr lang="en-US" smtClean="0"/>
-              <a:t>9/2/2022</a:t>
+              <a:t>9/6/2022</a:t>
             </a:fld>
             <a:endParaRPr lang="en-US"/>
           </a:p>
@@ -1766,13 +1592,7 @@
       </p:sp>
       <p:sp>
         <p:nvSpPr>
-          <p:cNvPr id="5" name="Footer Placeholder 4">
-            <a:extLst>
-              <a:ext uri="{FF2B5EF4-FFF2-40B4-BE49-F238E27FC236}">
-                <a16:creationId xmlns:a16="http://schemas.microsoft.com/office/drawing/2014/main" id="{E2272877-99B0-C5CC-6B78-E7C893A37120}"/>
-              </a:ext>
-            </a:extLst>
-          </p:cNvPr>
+          <p:cNvPr id="5" name="Footer Placeholder 4"/>
           <p:cNvSpPr>
             <a:spLocks noGrp="1"/>
           </p:cNvSpPr>
@@ -1791,13 +1611,7 @@
       </p:sp>
       <p:sp>
         <p:nvSpPr>
-          <p:cNvPr id="6" name="Slide Number Placeholder 5">
-            <a:extLst>
-              <a:ext uri="{FF2B5EF4-FFF2-40B4-BE49-F238E27FC236}">
-                <a16:creationId xmlns:a16="http://schemas.microsoft.com/office/drawing/2014/main" id="{28B564E0-F2E1-E6EE-14F1-3EF1C66025CA}"/>
-              </a:ext>
-            </a:extLst>
-          </p:cNvPr>
+          <p:cNvPr id="6" name="Slide Number Placeholder 5"/>
           <p:cNvSpPr>
             <a:spLocks noGrp="1"/>
           </p:cNvSpPr>
@@ -1819,11 +1633,6 @@
         </p:txBody>
       </p:sp>
     </p:spTree>
-    <p:extLst>
-      <p:ext uri="{BB962C8B-B14F-4D97-AF65-F5344CB8AC3E}">
-        <p14:creationId xmlns:p14="http://schemas.microsoft.com/office/powerpoint/2010/main" val="1768150222"/>
-      </p:ext>
-    </p:extLst>
   </p:cSld>
   <p:clrMapOvr>
     <a:masterClrMapping/>
@@ -1850,13 +1659,7 @@
       </p:grpSpPr>
       <p:sp>
         <p:nvSpPr>
-          <p:cNvPr id="2" name="Title 1">
-            <a:extLst>
-              <a:ext uri="{FF2B5EF4-FFF2-40B4-BE49-F238E27FC236}">
-                <a16:creationId xmlns:a16="http://schemas.microsoft.com/office/drawing/2014/main" id="{B7DD9B48-F4BD-428C-7F94-B395A96E1133}"/>
-              </a:ext>
-            </a:extLst>
-          </p:cNvPr>
+          <p:cNvPr id="2" name="Title 1"/>
           <p:cNvSpPr>
             <a:spLocks noGrp="1"/>
           </p:cNvSpPr>
@@ -1878,13 +1681,7 @@
       </p:sp>
       <p:sp>
         <p:nvSpPr>
-          <p:cNvPr id="3" name="Content Placeholder 2">
-            <a:extLst>
-              <a:ext uri="{FF2B5EF4-FFF2-40B4-BE49-F238E27FC236}">
-                <a16:creationId xmlns:a16="http://schemas.microsoft.com/office/drawing/2014/main" id="{48A096A6-6F26-ACBF-1223-E5EC8A1E8709}"/>
-              </a:ext>
-            </a:extLst>
-          </p:cNvPr>
+          <p:cNvPr id="3" name="Content Placeholder 2"/>
           <p:cNvSpPr>
             <a:spLocks noGrp="1"/>
           </p:cNvSpPr>
@@ -1940,13 +1737,7 @@
       </p:sp>
       <p:sp>
         <p:nvSpPr>
-          <p:cNvPr id="4" name="Content Placeholder 3">
-            <a:extLst>
-              <a:ext uri="{FF2B5EF4-FFF2-40B4-BE49-F238E27FC236}">
-                <a16:creationId xmlns:a16="http://schemas.microsoft.com/office/drawing/2014/main" id="{C99656E3-1C01-74D7-1729-93A34D19FEE8}"/>
-              </a:ext>
-            </a:extLst>
-          </p:cNvPr>
+          <p:cNvPr id="4" name="Content Placeholder 3"/>
           <p:cNvSpPr>
             <a:spLocks noGrp="1"/>
           </p:cNvSpPr>
@@ -2002,13 +1793,7 @@
       </p:sp>
       <p:sp>
         <p:nvSpPr>
-          <p:cNvPr id="5" name="Date Placeholder 4">
-            <a:extLst>
-              <a:ext uri="{FF2B5EF4-FFF2-40B4-BE49-F238E27FC236}">
-                <a16:creationId xmlns:a16="http://schemas.microsoft.com/office/drawing/2014/main" id="{A77ABD84-7DC5-E913-E0C7-5B3CE9F6F364}"/>
-              </a:ext>
-            </a:extLst>
-          </p:cNvPr>
+          <p:cNvPr id="5" name="Date Placeholder 4"/>
           <p:cNvSpPr>
             <a:spLocks noGrp="1"/>
           </p:cNvSpPr>
@@ -2023,7 +1808,7 @@
           <a:p>
             <a:fld id="{1EC325BA-E52F-4C15-A6EA-08B770105F49}" type="datetimeFigureOut">
               <a:rPr lang="en-US" smtClean="0"/>
-              <a:t>9/2/2022</a:t>
+              <a:t>9/6/2022</a:t>
             </a:fld>
             <a:endParaRPr lang="en-US"/>
           </a:p>
@@ -2031,13 +1816,7 @@
       </p:sp>
       <p:sp>
         <p:nvSpPr>
-          <p:cNvPr id="6" name="Footer Placeholder 5">
-            <a:extLst>
-              <a:ext uri="{FF2B5EF4-FFF2-40B4-BE49-F238E27FC236}">
-                <a16:creationId xmlns:a16="http://schemas.microsoft.com/office/drawing/2014/main" id="{45886A0A-18D7-75B9-1C82-01B1653DB455}"/>
-              </a:ext>
-            </a:extLst>
-          </p:cNvPr>
+          <p:cNvPr id="6" name="Footer Placeholder 5"/>
           <p:cNvSpPr>
             <a:spLocks noGrp="1"/>
           </p:cNvSpPr>
@@ -2056,13 +1835,7 @@
       </p:sp>
       <p:sp>
         <p:nvSpPr>
-          <p:cNvPr id="7" name="Slide Number Placeholder 6">
-            <a:extLst>
-              <a:ext uri="{FF2B5EF4-FFF2-40B4-BE49-F238E27FC236}">
-                <a16:creationId xmlns:a16="http://schemas.microsoft.com/office/drawing/2014/main" id="{EEFDB0ED-3D62-1E58-28E8-BB6BE168A89C}"/>
-              </a:ext>
-            </a:extLst>
-          </p:cNvPr>
+          <p:cNvPr id="7" name="Slide Number Placeholder 6"/>
           <p:cNvSpPr>
             <a:spLocks noGrp="1"/>
           </p:cNvSpPr>
@@ -2084,11 +1857,6 @@
         </p:txBody>
       </p:sp>
     </p:spTree>
-    <p:extLst>
-      <p:ext uri="{BB962C8B-B14F-4D97-AF65-F5344CB8AC3E}">
-        <p14:creationId xmlns:p14="http://schemas.microsoft.com/office/powerpoint/2010/main" val="2934009882"/>
-      </p:ext>
-    </p:extLst>
   </p:cSld>
   <p:clrMapOvr>
     <a:masterClrMapping/>
@@ -2115,13 +1883,7 @@
       </p:grpSpPr>
       <p:sp>
         <p:nvSpPr>
-          <p:cNvPr id="2" name="Title 1">
-            <a:extLst>
-              <a:ext uri="{FF2B5EF4-FFF2-40B4-BE49-F238E27FC236}">
-                <a16:creationId xmlns:a16="http://schemas.microsoft.com/office/drawing/2014/main" id="{02BEB135-14B3-7A3B-59CD-8EA02868FCE9}"/>
-              </a:ext>
-            </a:extLst>
-          </p:cNvPr>
+          <p:cNvPr id="2" name="Title 1"/>
           <p:cNvSpPr>
             <a:spLocks noGrp="1"/>
           </p:cNvSpPr>
@@ -2148,13 +1910,7 @@
       </p:sp>
       <p:sp>
         <p:nvSpPr>
-          <p:cNvPr id="3" name="Text Placeholder 2">
-            <a:extLst>
-              <a:ext uri="{FF2B5EF4-FFF2-40B4-BE49-F238E27FC236}">
-                <a16:creationId xmlns:a16="http://schemas.microsoft.com/office/drawing/2014/main" id="{D9F1460F-1945-AD7F-6BB6-254ECAAFDDB1}"/>
-              </a:ext>
-            </a:extLst>
-          </p:cNvPr>
+          <p:cNvPr id="3" name="Text Placeholder 2"/>
           <p:cNvSpPr>
             <a:spLocks noGrp="1"/>
           </p:cNvSpPr>
@@ -2219,13 +1975,7 @@
       </p:sp>
       <p:sp>
         <p:nvSpPr>
-          <p:cNvPr id="4" name="Content Placeholder 3">
-            <a:extLst>
-              <a:ext uri="{FF2B5EF4-FFF2-40B4-BE49-F238E27FC236}">
-                <a16:creationId xmlns:a16="http://schemas.microsoft.com/office/drawing/2014/main" id="{075ED7B7-5927-CE71-92AF-E235A9EE90A6}"/>
-              </a:ext>
-            </a:extLst>
-          </p:cNvPr>
+          <p:cNvPr id="4" name="Content Placeholder 3"/>
           <p:cNvSpPr>
             <a:spLocks noGrp="1"/>
           </p:cNvSpPr>
@@ -2281,13 +2031,7 @@
       </p:sp>
       <p:sp>
         <p:nvSpPr>
-          <p:cNvPr id="5" name="Text Placeholder 4">
-            <a:extLst>
-              <a:ext uri="{FF2B5EF4-FFF2-40B4-BE49-F238E27FC236}">
-                <a16:creationId xmlns:a16="http://schemas.microsoft.com/office/drawing/2014/main" id="{113638C4-BA4D-934D-2AD9-B0C4DAA4EDC9}"/>
-              </a:ext>
-            </a:extLst>
-          </p:cNvPr>
+          <p:cNvPr id="5" name="Text Placeholder 4"/>
           <p:cNvSpPr>
             <a:spLocks noGrp="1"/>
           </p:cNvSpPr>
@@ -2352,13 +2096,7 @@
       </p:sp>
       <p:sp>
         <p:nvSpPr>
-          <p:cNvPr id="6" name="Content Placeholder 5">
-            <a:extLst>
-              <a:ext uri="{FF2B5EF4-FFF2-40B4-BE49-F238E27FC236}">
-                <a16:creationId xmlns:a16="http://schemas.microsoft.com/office/drawing/2014/main" id="{B2C73D67-7D19-9D8C-E92D-926B340F6FA3}"/>
-              </a:ext>
-            </a:extLst>
-          </p:cNvPr>
+          <p:cNvPr id="6" name="Content Placeholder 5"/>
           <p:cNvSpPr>
             <a:spLocks noGrp="1"/>
           </p:cNvSpPr>
@@ -2414,13 +2152,7 @@
       </p:sp>
       <p:sp>
         <p:nvSpPr>
-          <p:cNvPr id="7" name="Date Placeholder 6">
-            <a:extLst>
-              <a:ext uri="{FF2B5EF4-FFF2-40B4-BE49-F238E27FC236}">
-                <a16:creationId xmlns:a16="http://schemas.microsoft.com/office/drawing/2014/main" id="{DE1FE79C-100A-B61D-2180-BE52CECCA407}"/>
-              </a:ext>
-            </a:extLst>
-          </p:cNvPr>
+          <p:cNvPr id="7" name="Date Placeholder 6"/>
           <p:cNvSpPr>
             <a:spLocks noGrp="1"/>
           </p:cNvSpPr>
@@ -2435,7 +2167,7 @@
           <a:p>
             <a:fld id="{1EC325BA-E52F-4C15-A6EA-08B770105F49}" type="datetimeFigureOut">
               <a:rPr lang="en-US" smtClean="0"/>
-              <a:t>9/2/2022</a:t>
+              <a:t>9/6/2022</a:t>
             </a:fld>
             <a:endParaRPr lang="en-US"/>
           </a:p>
@@ -2443,13 +2175,7 @@
       </p:sp>
       <p:sp>
         <p:nvSpPr>
-          <p:cNvPr id="8" name="Footer Placeholder 7">
-            <a:extLst>
-              <a:ext uri="{FF2B5EF4-FFF2-40B4-BE49-F238E27FC236}">
-                <a16:creationId xmlns:a16="http://schemas.microsoft.com/office/drawing/2014/main" id="{7EAAE3DC-EC92-448A-457A-26ABA7AF56CA}"/>
-              </a:ext>
-            </a:extLst>
-          </p:cNvPr>
+          <p:cNvPr id="8" name="Footer Placeholder 7"/>
           <p:cNvSpPr>
             <a:spLocks noGrp="1"/>
           </p:cNvSpPr>
@@ -2468,13 +2194,7 @@
       </p:sp>
       <p:sp>
         <p:nvSpPr>
-          <p:cNvPr id="9" name="Slide Number Placeholder 8">
-            <a:extLst>
-              <a:ext uri="{FF2B5EF4-FFF2-40B4-BE49-F238E27FC236}">
-                <a16:creationId xmlns:a16="http://schemas.microsoft.com/office/drawing/2014/main" id="{96C338F7-9234-26BA-5AC8-5D69D6084C8D}"/>
-              </a:ext>
-            </a:extLst>
-          </p:cNvPr>
+          <p:cNvPr id="9" name="Slide Number Placeholder 8"/>
           <p:cNvSpPr>
             <a:spLocks noGrp="1"/>
           </p:cNvSpPr>
@@ -2496,11 +2216,6 @@
         </p:txBody>
       </p:sp>
     </p:spTree>
-    <p:extLst>
-      <p:ext uri="{BB962C8B-B14F-4D97-AF65-F5344CB8AC3E}">
-        <p14:creationId xmlns:p14="http://schemas.microsoft.com/office/powerpoint/2010/main" val="1199714114"/>
-      </p:ext>
-    </p:extLst>
   </p:cSld>
   <p:clrMapOvr>
     <a:masterClrMapping/>
@@ -2527,13 +2242,7 @@
       </p:grpSpPr>
       <p:sp>
         <p:nvSpPr>
-          <p:cNvPr id="2" name="Title 1">
-            <a:extLst>
-              <a:ext uri="{FF2B5EF4-FFF2-40B4-BE49-F238E27FC236}">
-                <a16:creationId xmlns:a16="http://schemas.microsoft.com/office/drawing/2014/main" id="{6E6E8C03-8851-68D8-7404-86AB3E85A04E}"/>
-              </a:ext>
-            </a:extLst>
-          </p:cNvPr>
+          <p:cNvPr id="2" name="Title 1"/>
           <p:cNvSpPr>
             <a:spLocks noGrp="1"/>
           </p:cNvSpPr>
@@ -2555,13 +2264,7 @@
       </p:sp>
       <p:sp>
         <p:nvSpPr>
-          <p:cNvPr id="3" name="Date Placeholder 2">
-            <a:extLst>
-              <a:ext uri="{FF2B5EF4-FFF2-40B4-BE49-F238E27FC236}">
-                <a16:creationId xmlns:a16="http://schemas.microsoft.com/office/drawing/2014/main" id="{81DB8422-D72E-11CB-6D61-C9712AC9DA2B}"/>
-              </a:ext>
-            </a:extLst>
-          </p:cNvPr>
+          <p:cNvPr id="3" name="Date Placeholder 2"/>
           <p:cNvSpPr>
             <a:spLocks noGrp="1"/>
           </p:cNvSpPr>
@@ -2576,7 +2279,7 @@
           <a:p>
             <a:fld id="{1EC325BA-E52F-4C15-A6EA-08B770105F49}" type="datetimeFigureOut">
               <a:rPr lang="en-US" smtClean="0"/>
-              <a:t>9/2/2022</a:t>
+              <a:t>9/6/2022</a:t>
             </a:fld>
             <a:endParaRPr lang="en-US"/>
           </a:p>
@@ -2584,13 +2287,7 @@
       </p:sp>
       <p:sp>
         <p:nvSpPr>
-          <p:cNvPr id="4" name="Footer Placeholder 3">
-            <a:extLst>
-              <a:ext uri="{FF2B5EF4-FFF2-40B4-BE49-F238E27FC236}">
-                <a16:creationId xmlns:a16="http://schemas.microsoft.com/office/drawing/2014/main" id="{FAADAAEE-9720-CF93-7A77-3554E1285686}"/>
-              </a:ext>
-            </a:extLst>
-          </p:cNvPr>
+          <p:cNvPr id="4" name="Footer Placeholder 3"/>
           <p:cNvSpPr>
             <a:spLocks noGrp="1"/>
           </p:cNvSpPr>
@@ -2609,13 +2306,7 @@
       </p:sp>
       <p:sp>
         <p:nvSpPr>
-          <p:cNvPr id="5" name="Slide Number Placeholder 4">
-            <a:extLst>
-              <a:ext uri="{FF2B5EF4-FFF2-40B4-BE49-F238E27FC236}">
-                <a16:creationId xmlns:a16="http://schemas.microsoft.com/office/drawing/2014/main" id="{5057ECEE-D425-FD63-7AF9-CE015228D7AE}"/>
-              </a:ext>
-            </a:extLst>
-          </p:cNvPr>
+          <p:cNvPr id="5" name="Slide Number Placeholder 4"/>
           <p:cNvSpPr>
             <a:spLocks noGrp="1"/>
           </p:cNvSpPr>
@@ -2637,11 +2328,6 @@
         </p:txBody>
       </p:sp>
     </p:spTree>
-    <p:extLst>
-      <p:ext uri="{BB962C8B-B14F-4D97-AF65-F5344CB8AC3E}">
-        <p14:creationId xmlns:p14="http://schemas.microsoft.com/office/powerpoint/2010/main" val="375294253"/>
-      </p:ext>
-    </p:extLst>
   </p:cSld>
   <p:clrMapOvr>
     <a:masterClrMapping/>
@@ -2668,13 +2354,7 @@
       </p:grpSpPr>
       <p:sp>
         <p:nvSpPr>
-          <p:cNvPr id="2" name="Date Placeholder 1">
-            <a:extLst>
-              <a:ext uri="{FF2B5EF4-FFF2-40B4-BE49-F238E27FC236}">
-                <a16:creationId xmlns:a16="http://schemas.microsoft.com/office/drawing/2014/main" id="{F59432E2-9178-6A84-9E28-F8C7BA65D541}"/>
-              </a:ext>
-            </a:extLst>
-          </p:cNvPr>
+          <p:cNvPr id="2" name="Date Placeholder 1"/>
           <p:cNvSpPr>
             <a:spLocks noGrp="1"/>
           </p:cNvSpPr>
@@ -2689,7 +2369,7 @@
           <a:p>
             <a:fld id="{1EC325BA-E52F-4C15-A6EA-08B770105F49}" type="datetimeFigureOut">
               <a:rPr lang="en-US" smtClean="0"/>
-              <a:t>9/2/2022</a:t>
+              <a:t>9/6/2022</a:t>
             </a:fld>
             <a:endParaRPr lang="en-US"/>
           </a:p>
@@ -2697,13 +2377,7 @@
       </p:sp>
       <p:sp>
         <p:nvSpPr>
-          <p:cNvPr id="3" name="Footer Placeholder 2">
-            <a:extLst>
-              <a:ext uri="{FF2B5EF4-FFF2-40B4-BE49-F238E27FC236}">
-                <a16:creationId xmlns:a16="http://schemas.microsoft.com/office/drawing/2014/main" id="{CA616B50-C875-D499-3ABA-24AB1B422BB7}"/>
-              </a:ext>
-            </a:extLst>
-          </p:cNvPr>
+          <p:cNvPr id="3" name="Footer Placeholder 2"/>
           <p:cNvSpPr>
             <a:spLocks noGrp="1"/>
           </p:cNvSpPr>
@@ -2722,13 +2396,7 @@
       </p:sp>
       <p:sp>
         <p:nvSpPr>
-          <p:cNvPr id="4" name="Slide Number Placeholder 3">
-            <a:extLst>
-              <a:ext uri="{FF2B5EF4-FFF2-40B4-BE49-F238E27FC236}">
-                <a16:creationId xmlns:a16="http://schemas.microsoft.com/office/drawing/2014/main" id="{103B9394-FC28-2A07-4ABE-38FB7B8CFD40}"/>
-              </a:ext>
-            </a:extLst>
-          </p:cNvPr>
+          <p:cNvPr id="4" name="Slide Number Placeholder 3"/>
           <p:cNvSpPr>
             <a:spLocks noGrp="1"/>
           </p:cNvSpPr>
@@ -2750,11 +2418,6 @@
         </p:txBody>
       </p:sp>
     </p:spTree>
-    <p:extLst>
-      <p:ext uri="{BB962C8B-B14F-4D97-AF65-F5344CB8AC3E}">
-        <p14:creationId xmlns:p14="http://schemas.microsoft.com/office/powerpoint/2010/main" val="658563000"/>
-      </p:ext>
-    </p:extLst>
   </p:cSld>
   <p:clrMapOvr>
     <a:masterClrMapping/>
@@ -2781,13 +2444,7 @@
       </p:grpSpPr>
       <p:sp>
         <p:nvSpPr>
-          <p:cNvPr id="2" name="Title 1">
-            <a:extLst>
-              <a:ext uri="{FF2B5EF4-FFF2-40B4-BE49-F238E27FC236}">
-                <a16:creationId xmlns:a16="http://schemas.microsoft.com/office/drawing/2014/main" id="{F02A3FF8-DC47-DC02-FB26-C743D02D01D1}"/>
-              </a:ext>
-            </a:extLst>
-          </p:cNvPr>
+          <p:cNvPr id="2" name="Title 1"/>
           <p:cNvSpPr>
             <a:spLocks noGrp="1"/>
           </p:cNvSpPr>
@@ -2818,13 +2475,7 @@
       </p:sp>
       <p:sp>
         <p:nvSpPr>
-          <p:cNvPr id="3" name="Content Placeholder 2">
-            <a:extLst>
-              <a:ext uri="{FF2B5EF4-FFF2-40B4-BE49-F238E27FC236}">
-                <a16:creationId xmlns:a16="http://schemas.microsoft.com/office/drawing/2014/main" id="{A91B61A8-5602-3769-BC3E-9F525FD43246}"/>
-              </a:ext>
-            </a:extLst>
-          </p:cNvPr>
+          <p:cNvPr id="3" name="Content Placeholder 2"/>
           <p:cNvSpPr>
             <a:spLocks noGrp="1"/>
           </p:cNvSpPr>
@@ -2908,13 +2559,7 @@
       </p:sp>
       <p:sp>
         <p:nvSpPr>
-          <p:cNvPr id="4" name="Text Placeholder 3">
-            <a:extLst>
-              <a:ext uri="{FF2B5EF4-FFF2-40B4-BE49-F238E27FC236}">
-                <a16:creationId xmlns:a16="http://schemas.microsoft.com/office/drawing/2014/main" id="{B0BDF852-CD84-715F-FA7D-F5C85CB5C58D}"/>
-              </a:ext>
-            </a:extLst>
-          </p:cNvPr>
+          <p:cNvPr id="4" name="Text Placeholder 3"/>
           <p:cNvSpPr>
             <a:spLocks noGrp="1"/>
           </p:cNvSpPr>
@@ -2979,13 +2624,7 @@
       </p:sp>
       <p:sp>
         <p:nvSpPr>
-          <p:cNvPr id="5" name="Date Placeholder 4">
-            <a:extLst>
-              <a:ext uri="{FF2B5EF4-FFF2-40B4-BE49-F238E27FC236}">
-                <a16:creationId xmlns:a16="http://schemas.microsoft.com/office/drawing/2014/main" id="{3B6AB268-1581-F0C3-9D61-8F42D44E5DFB}"/>
-              </a:ext>
-            </a:extLst>
-          </p:cNvPr>
+          <p:cNvPr id="5" name="Date Placeholder 4"/>
           <p:cNvSpPr>
             <a:spLocks noGrp="1"/>
           </p:cNvSpPr>
@@ -3000,7 +2639,7 @@
           <a:p>
             <a:fld id="{1EC325BA-E52F-4C15-A6EA-08B770105F49}" type="datetimeFigureOut">
               <a:rPr lang="en-US" smtClean="0"/>
-              <a:t>9/2/2022</a:t>
+              <a:t>9/6/2022</a:t>
             </a:fld>
             <a:endParaRPr lang="en-US"/>
           </a:p>
@@ -3008,13 +2647,7 @@
       </p:sp>
       <p:sp>
         <p:nvSpPr>
-          <p:cNvPr id="6" name="Footer Placeholder 5">
-            <a:extLst>
-              <a:ext uri="{FF2B5EF4-FFF2-40B4-BE49-F238E27FC236}">
-                <a16:creationId xmlns:a16="http://schemas.microsoft.com/office/drawing/2014/main" id="{7DA8ACD3-7661-FB1F-1DFB-8D5554C9056E}"/>
-              </a:ext>
-            </a:extLst>
-          </p:cNvPr>
+          <p:cNvPr id="6" name="Footer Placeholder 5"/>
           <p:cNvSpPr>
             <a:spLocks noGrp="1"/>
           </p:cNvSpPr>
@@ -3033,13 +2666,7 @@
       </p:sp>
       <p:sp>
         <p:nvSpPr>
-          <p:cNvPr id="7" name="Slide Number Placeholder 6">
-            <a:extLst>
-              <a:ext uri="{FF2B5EF4-FFF2-40B4-BE49-F238E27FC236}">
-                <a16:creationId xmlns:a16="http://schemas.microsoft.com/office/drawing/2014/main" id="{1D93292E-C8ED-7E17-2F64-0F20CE92BE78}"/>
-              </a:ext>
-            </a:extLst>
-          </p:cNvPr>
+          <p:cNvPr id="7" name="Slide Number Placeholder 6"/>
           <p:cNvSpPr>
             <a:spLocks noGrp="1"/>
           </p:cNvSpPr>
@@ -3061,11 +2688,6 @@
         </p:txBody>
       </p:sp>
     </p:spTree>
-    <p:extLst>
-      <p:ext uri="{BB962C8B-B14F-4D97-AF65-F5344CB8AC3E}">
-        <p14:creationId xmlns:p14="http://schemas.microsoft.com/office/powerpoint/2010/main" val="444811157"/>
-      </p:ext>
-    </p:extLst>
   </p:cSld>
   <p:clrMapOvr>
     <a:masterClrMapping/>
@@ -3092,13 +2714,7 @@
       </p:grpSpPr>
       <p:sp>
         <p:nvSpPr>
-          <p:cNvPr id="2" name="Title 1">
-            <a:extLst>
-              <a:ext uri="{FF2B5EF4-FFF2-40B4-BE49-F238E27FC236}">
-                <a16:creationId xmlns:a16="http://schemas.microsoft.com/office/drawing/2014/main" id="{A1121998-5517-17BA-A358-A61FCCCE9FE2}"/>
-              </a:ext>
-            </a:extLst>
-          </p:cNvPr>
+          <p:cNvPr id="2" name="Title 1"/>
           <p:cNvSpPr>
             <a:spLocks noGrp="1"/>
           </p:cNvSpPr>
@@ -3129,13 +2745,7 @@
       </p:sp>
       <p:sp>
         <p:nvSpPr>
-          <p:cNvPr id="3" name="Picture Placeholder 2">
-            <a:extLst>
-              <a:ext uri="{FF2B5EF4-FFF2-40B4-BE49-F238E27FC236}">
-                <a16:creationId xmlns:a16="http://schemas.microsoft.com/office/drawing/2014/main" id="{302237BA-91C8-AF1C-9CE1-6326A65489F6}"/>
-              </a:ext>
-            </a:extLst>
-          </p:cNvPr>
+          <p:cNvPr id="3" name="Picture Placeholder 2"/>
           <p:cNvSpPr>
             <a:spLocks noGrp="1"/>
           </p:cNvSpPr>
@@ -3196,13 +2806,7 @@
       </p:sp>
       <p:sp>
         <p:nvSpPr>
-          <p:cNvPr id="4" name="Text Placeholder 3">
-            <a:extLst>
-              <a:ext uri="{FF2B5EF4-FFF2-40B4-BE49-F238E27FC236}">
-                <a16:creationId xmlns:a16="http://schemas.microsoft.com/office/drawing/2014/main" id="{2BE3534E-D092-DAE0-F740-50E896D9502B}"/>
-              </a:ext>
-            </a:extLst>
-          </p:cNvPr>
+          <p:cNvPr id="4" name="Text Placeholder 3"/>
           <p:cNvSpPr>
             <a:spLocks noGrp="1"/>
           </p:cNvSpPr>
@@ -3267,13 +2871,7 @@
       </p:sp>
       <p:sp>
         <p:nvSpPr>
-          <p:cNvPr id="5" name="Date Placeholder 4">
-            <a:extLst>
-              <a:ext uri="{FF2B5EF4-FFF2-40B4-BE49-F238E27FC236}">
-                <a16:creationId xmlns:a16="http://schemas.microsoft.com/office/drawing/2014/main" id="{9CB70FBC-086C-78D0-D228-9D36AAEC84ED}"/>
-              </a:ext>
-            </a:extLst>
-          </p:cNvPr>
+          <p:cNvPr id="5" name="Date Placeholder 4"/>
           <p:cNvSpPr>
             <a:spLocks noGrp="1"/>
           </p:cNvSpPr>
@@ -3288,7 +2886,7 @@
           <a:p>
             <a:fld id="{1EC325BA-E52F-4C15-A6EA-08B770105F49}" type="datetimeFigureOut">
               <a:rPr lang="en-US" smtClean="0"/>
-              <a:t>9/2/2022</a:t>
+              <a:t>9/6/2022</a:t>
             </a:fld>
             <a:endParaRPr lang="en-US"/>
           </a:p>
@@ -3296,13 +2894,7 @@
       </p:sp>
       <p:sp>
         <p:nvSpPr>
-          <p:cNvPr id="6" name="Footer Placeholder 5">
-            <a:extLst>
-              <a:ext uri="{FF2B5EF4-FFF2-40B4-BE49-F238E27FC236}">
-                <a16:creationId xmlns:a16="http://schemas.microsoft.com/office/drawing/2014/main" id="{0A473ABD-4103-2781-8021-564996CD702A}"/>
-              </a:ext>
-            </a:extLst>
-          </p:cNvPr>
+          <p:cNvPr id="6" name="Footer Placeholder 5"/>
           <p:cNvSpPr>
             <a:spLocks noGrp="1"/>
           </p:cNvSpPr>
@@ -3321,13 +2913,7 @@
       </p:sp>
       <p:sp>
         <p:nvSpPr>
-          <p:cNvPr id="7" name="Slide Number Placeholder 6">
-            <a:extLst>
-              <a:ext uri="{FF2B5EF4-FFF2-40B4-BE49-F238E27FC236}">
-                <a16:creationId xmlns:a16="http://schemas.microsoft.com/office/drawing/2014/main" id="{6BA667EE-D406-7F50-BBA5-59AE1A07670E}"/>
-              </a:ext>
-            </a:extLst>
-          </p:cNvPr>
+          <p:cNvPr id="7" name="Slide Number Placeholder 6"/>
           <p:cNvSpPr>
             <a:spLocks noGrp="1"/>
           </p:cNvSpPr>
@@ -3349,11 +2935,6 @@
         </p:txBody>
       </p:sp>
     </p:spTree>
-    <p:extLst>
-      <p:ext uri="{BB962C8B-B14F-4D97-AF65-F5344CB8AC3E}">
-        <p14:creationId xmlns:p14="http://schemas.microsoft.com/office/powerpoint/2010/main" val="3508417677"/>
-      </p:ext>
-    </p:extLst>
   </p:cSld>
   <p:clrMapOvr>
     <a:masterClrMapping/>
@@ -3385,13 +2966,7 @@
       </p:grpSpPr>
       <p:sp>
         <p:nvSpPr>
-          <p:cNvPr id="2" name="Title Placeholder 1">
-            <a:extLst>
-              <a:ext uri="{FF2B5EF4-FFF2-40B4-BE49-F238E27FC236}">
-                <a16:creationId xmlns:a16="http://schemas.microsoft.com/office/drawing/2014/main" id="{EE9A1E2E-D498-4E25-1133-5D959BEB14C1}"/>
-              </a:ext>
-            </a:extLst>
-          </p:cNvPr>
+          <p:cNvPr id="2" name="Title Placeholder 1"/>
           <p:cNvSpPr>
             <a:spLocks noGrp="1"/>
           </p:cNvSpPr>
@@ -3423,13 +2998,7 @@
       </p:sp>
       <p:sp>
         <p:nvSpPr>
-          <p:cNvPr id="3" name="Text Placeholder 2">
-            <a:extLst>
-              <a:ext uri="{FF2B5EF4-FFF2-40B4-BE49-F238E27FC236}">
-                <a16:creationId xmlns:a16="http://schemas.microsoft.com/office/drawing/2014/main" id="{AB1D3972-6330-0C53-D0E8-D1840F649622}"/>
-              </a:ext>
-            </a:extLst>
-          </p:cNvPr>
+          <p:cNvPr id="3" name="Text Placeholder 2"/>
           <p:cNvSpPr>
             <a:spLocks noGrp="1"/>
           </p:cNvSpPr>
@@ -3490,13 +3059,7 @@
       </p:sp>
       <p:sp>
         <p:nvSpPr>
-          <p:cNvPr id="4" name="Date Placeholder 3">
-            <a:extLst>
-              <a:ext uri="{FF2B5EF4-FFF2-40B4-BE49-F238E27FC236}">
-                <a16:creationId xmlns:a16="http://schemas.microsoft.com/office/drawing/2014/main" id="{F2563C30-3D36-DC5C-CEFD-7BCEE06C2F4F}"/>
-              </a:ext>
-            </a:extLst>
-          </p:cNvPr>
+          <p:cNvPr id="4" name="Date Placeholder 3"/>
           <p:cNvSpPr>
             <a:spLocks noGrp="1"/>
           </p:cNvSpPr>
@@ -3529,7 +3092,7 @@
           <a:p>
             <a:fld id="{1EC325BA-E52F-4C15-A6EA-08B770105F49}" type="datetimeFigureOut">
               <a:rPr lang="en-US" smtClean="0"/>
-              <a:t>9/2/2022</a:t>
+              <a:t>9/6/2022</a:t>
             </a:fld>
             <a:endParaRPr lang="en-US"/>
           </a:p>
@@ -3537,13 +3100,7 @@
       </p:sp>
       <p:sp>
         <p:nvSpPr>
-          <p:cNvPr id="5" name="Footer Placeholder 4">
-            <a:extLst>
-              <a:ext uri="{FF2B5EF4-FFF2-40B4-BE49-F238E27FC236}">
-                <a16:creationId xmlns:a16="http://schemas.microsoft.com/office/drawing/2014/main" id="{9ECF823C-B33E-F9FB-B6FA-45114FA77EE6}"/>
-              </a:ext>
-            </a:extLst>
-          </p:cNvPr>
+          <p:cNvPr id="5" name="Footer Placeholder 4"/>
           <p:cNvSpPr>
             <a:spLocks noGrp="1"/>
           </p:cNvSpPr>
@@ -3580,13 +3137,7 @@
       </p:sp>
       <p:sp>
         <p:nvSpPr>
-          <p:cNvPr id="6" name="Slide Number Placeholder 5">
-            <a:extLst>
-              <a:ext uri="{FF2B5EF4-FFF2-40B4-BE49-F238E27FC236}">
-                <a16:creationId xmlns:a16="http://schemas.microsoft.com/office/drawing/2014/main" id="{9903F67F-F7E9-0D29-DDE2-605A4CE2DF16}"/>
-              </a:ext>
-            </a:extLst>
-          </p:cNvPr>
+          <p:cNvPr id="6" name="Slide Number Placeholder 5"/>
           <p:cNvSpPr>
             <a:spLocks noGrp="1"/>
           </p:cNvSpPr>
@@ -3626,11 +3177,6 @@
         </p:txBody>
       </p:sp>
     </p:spTree>
-    <p:extLst>
-      <p:ext uri="{BB962C8B-B14F-4D97-AF65-F5344CB8AC3E}">
-        <p14:creationId xmlns:p14="http://schemas.microsoft.com/office/powerpoint/2010/main" val="3934262391"/>
-      </p:ext>
-    </p:extLst>
   </p:cSld>
   <p:clrMap bg1="lt1" tx1="dk1" bg2="lt2" tx2="dk2" accent1="accent1" accent2="accent2" accent3="accent3" accent4="accent4" accent5="accent5" accent6="accent6" hlink="hlink" folHlink="folHlink"/>
   <p:sldLayoutIdLst>
@@ -3959,26 +3505,11 @@
       </p:grpSpPr>
       <p:sp>
         <p:nvSpPr>
-          <p:cNvPr id="8" name="Freeform: Shape 7">
-            <a:extLst>
-              <a:ext uri="{FF2B5EF4-FFF2-40B4-BE49-F238E27FC236}">
-                <a16:creationId xmlns:a16="http://schemas.microsoft.com/office/drawing/2014/main" id="{66B332A4-D438-4773-A77F-5ED49A448D9D}"/>
-              </a:ext>
-              <a:ext uri="{C183D7F6-B498-43B3-948B-1728B52AA6E4}">
-                <adec:decorative xmlns:adec="http://schemas.microsoft.com/office/drawing/2017/decorative" val="1"/>
-              </a:ext>
-            </a:extLst>
-          </p:cNvPr>
+          <p:cNvPr id="8" name="Freeform: Shape 7"/>
           <p:cNvSpPr>
             <a:spLocks noGrp="1" noRot="1" noChangeAspect="1" noMove="1" noResize="1" noEditPoints="1" noAdjustHandles="1" noChangeArrowheads="1" noChangeShapeType="1" noTextEdit="1"/>
           </p:cNvSpPr>
-          <p:nvPr>
-            <p:extLst>
-              <p:ext uri="{386F3935-93C4-4BCD-93E2-E3B085C9AB24}">
-                <p16:designElem xmlns:p16="http://schemas.microsoft.com/office/powerpoint/2015/main" val="1"/>
-              </p:ext>
-            </p:extLst>
-          </p:nvPr>
+          <p:nvPr/>
         </p:nvSpPr>
         <p:spPr>
           <a:xfrm>
@@ -4125,26 +3656,11 @@
       </p:sp>
       <p:sp>
         <p:nvSpPr>
-          <p:cNvPr id="10" name="Freeform: Shape 9">
-            <a:extLst>
-              <a:ext uri="{FF2B5EF4-FFF2-40B4-BE49-F238E27FC236}">
-                <a16:creationId xmlns:a16="http://schemas.microsoft.com/office/drawing/2014/main" id="{DF9AD32D-FF05-44F4-BD4D-9CEE89B71EB9}"/>
-              </a:ext>
-              <a:ext uri="{C183D7F6-B498-43B3-948B-1728B52AA6E4}">
-                <adec:decorative xmlns:adec="http://schemas.microsoft.com/office/drawing/2017/decorative" val="1"/>
-              </a:ext>
-            </a:extLst>
-          </p:cNvPr>
+          <p:cNvPr id="10" name="Freeform: Shape 9"/>
           <p:cNvSpPr>
             <a:spLocks noGrp="1" noRot="1" noChangeAspect="1" noMove="1" noResize="1" noEditPoints="1" noAdjustHandles="1" noChangeArrowheads="1" noChangeShapeType="1" noTextEdit="1"/>
           </p:cNvSpPr>
-          <p:nvPr>
-            <p:extLst>
-              <p:ext uri="{386F3935-93C4-4BCD-93E2-E3B085C9AB24}">
-                <p16:designElem xmlns:p16="http://schemas.microsoft.com/office/powerpoint/2015/main" val="1"/>
-              </p:ext>
-            </p:extLst>
-          </p:nvPr>
+          <p:nvPr/>
         </p:nvSpPr>
         <p:spPr>
           <a:xfrm>
@@ -4289,13 +3805,7 @@
       </p:sp>
       <p:sp>
         <p:nvSpPr>
-          <p:cNvPr id="2" name="Title 1">
-            <a:extLst>
-              <a:ext uri="{FF2B5EF4-FFF2-40B4-BE49-F238E27FC236}">
-                <a16:creationId xmlns:a16="http://schemas.microsoft.com/office/drawing/2014/main" id="{0B37B4A5-F406-32C9-206A-C0B097174DF9}"/>
-              </a:ext>
-            </a:extLst>
-          </p:cNvPr>
+          <p:cNvPr id="2" name="Title 1"/>
           <p:cNvSpPr>
             <a:spLocks noGrp="1"/>
           </p:cNvSpPr>
@@ -4339,11 +3849,6 @@
         </p:txBody>
       </p:sp>
     </p:spTree>
-    <p:extLst>
-      <p:ext uri="{BB962C8B-B14F-4D97-AF65-F5344CB8AC3E}">
-        <p14:creationId xmlns:p14="http://schemas.microsoft.com/office/powerpoint/2010/main" val="1801886675"/>
-      </p:ext>
-    </p:extLst>
   </p:cSld>
   <p:clrMapOvr>
     <a:overrideClrMapping bg1="dk1" tx1="lt1" bg2="dk2" tx2="lt2" accent1="accent1" accent2="accent2" accent3="accent3" accent4="accent4" accent5="accent5" accent6="accent6" hlink="hlink" folHlink="folHlink"/>
@@ -4370,13 +3875,7 @@
       </p:grpSpPr>
       <p:sp>
         <p:nvSpPr>
-          <p:cNvPr id="2" name="Title 1">
-            <a:extLst>
-              <a:ext uri="{FF2B5EF4-FFF2-40B4-BE49-F238E27FC236}">
-                <a16:creationId xmlns:a16="http://schemas.microsoft.com/office/drawing/2014/main" id="{12B3640A-5FAC-3B5D-4A6C-50065217F97C}"/>
-              </a:ext>
-            </a:extLst>
-          </p:cNvPr>
+          <p:cNvPr id="2" name="Title 1"/>
           <p:cNvSpPr>
             <a:spLocks noGrp="1"/>
           </p:cNvSpPr>
@@ -4398,13 +3897,7 @@
       </p:sp>
       <p:sp>
         <p:nvSpPr>
-          <p:cNvPr id="3" name="Content Placeholder 2">
-            <a:extLst>
-              <a:ext uri="{FF2B5EF4-FFF2-40B4-BE49-F238E27FC236}">
-                <a16:creationId xmlns:a16="http://schemas.microsoft.com/office/drawing/2014/main" id="{8E642D3E-AF99-2F4C-DD71-487D01626648}"/>
-              </a:ext>
-            </a:extLst>
-          </p:cNvPr>
+          <p:cNvPr id="3" name="Content Placeholder 2"/>
           <p:cNvSpPr>
             <a:spLocks noGrp="1"/>
           </p:cNvSpPr>
@@ -4435,13 +3928,7 @@
               <a:t>Recitation leader: </a:t>
             </a:r>
             <a:r>
-              <a:rPr lang="en-US" b="1" i="0" dirty="0">
-                <a:solidFill>
-                  <a:srgbClr val="1F1F1F"/>
-                </a:solidFill>
-                <a:effectLst/>
-                <a:latin typeface="Google Sans"/>
-              </a:rPr>
+              <a:rPr lang="en-US" altLang="zh-CN" b="1" i="0" dirty="0"/>
               <a:t>Elias Hess-Childs</a:t>
             </a:r>
             <a:endParaRPr lang="en-US" b="1" i="0" dirty="0">
@@ -4458,7 +3945,15 @@
           <a:p>
             <a:r>
               <a:rPr lang="en-US" dirty="0"/>
-              <a:t>Grader: Xuan Zhao </a:t>
+              <a:t>Grader: </a:t>
+            </a:r>
+            <a:r>
+              <a:rPr lang="en-US" altLang="zh-CN" b="1" dirty="0"/>
+              <a:t>Xuan Zhao</a:t>
+            </a:r>
+            <a:r>
+              <a:rPr lang="en-US" dirty="0"/>
+              <a:t> </a:t>
             </a:r>
           </a:p>
           <a:p>
@@ -4468,20 +3963,14 @@
       </p:sp>
       <p:pic>
         <p:nvPicPr>
-          <p:cNvPr id="7" name="Picture 6" descr="A picture containing person, clothing, suit, posing&#10;&#10;Description automatically generated">
-            <a:extLst>
-              <a:ext uri="{FF2B5EF4-FFF2-40B4-BE49-F238E27FC236}">
-                <a16:creationId xmlns:a16="http://schemas.microsoft.com/office/drawing/2014/main" id="{E224AA75-06E7-DF49-86C8-44225E011EC9}"/>
-              </a:ext>
-            </a:extLst>
-          </p:cNvPr>
+          <p:cNvPr id="7" name="Picture 6" descr="A picture containing person, clothing, suit, posing&#10;&#10;Description automatically generated"/>
           <p:cNvPicPr>
             <a:picLocks noChangeAspect="1"/>
           </p:cNvPicPr>
           <p:nvPr/>
         </p:nvPicPr>
         <p:blipFill>
-          <a:blip r:embed="rId2">
+          <a:blip r:embed="rId2" cstate="print">
             <a:extLst>
               <a:ext uri="{28A0092B-C50C-407E-A947-70E740481C1C}">
                 <a14:useLocalDpi xmlns:a14="http://schemas.microsoft.com/office/drawing/2010/main" val="0"/>
@@ -4503,11 +3992,6 @@
         </p:spPr>
       </p:pic>
     </p:spTree>
-    <p:extLst>
-      <p:ext uri="{BB962C8B-B14F-4D97-AF65-F5344CB8AC3E}">
-        <p14:creationId xmlns:p14="http://schemas.microsoft.com/office/powerpoint/2010/main" val="416916696"/>
-      </p:ext>
-    </p:extLst>
   </p:cSld>
   <p:clrMapOvr>
     <a:masterClrMapping/>
@@ -4707,13 +4191,7 @@
       </p:grpSpPr>
       <p:sp>
         <p:nvSpPr>
-          <p:cNvPr id="2" name="Title 1">
-            <a:extLst>
-              <a:ext uri="{FF2B5EF4-FFF2-40B4-BE49-F238E27FC236}">
-                <a16:creationId xmlns:a16="http://schemas.microsoft.com/office/drawing/2014/main" id="{7683EB10-1D43-3350-B240-F7678BCC0C2D}"/>
-              </a:ext>
-            </a:extLst>
-          </p:cNvPr>
+          <p:cNvPr id="2" name="Title 1"/>
           <p:cNvSpPr>
             <a:spLocks noGrp="1"/>
           </p:cNvSpPr>
@@ -4735,13 +4213,7 @@
       </p:sp>
       <p:pic>
         <p:nvPicPr>
-          <p:cNvPr id="1026" name="Picture 2" descr="Weather Forecast">
-            <a:extLst>
-              <a:ext uri="{FF2B5EF4-FFF2-40B4-BE49-F238E27FC236}">
-                <a16:creationId xmlns:a16="http://schemas.microsoft.com/office/drawing/2014/main" id="{E2742973-8FA7-50FB-F978-E6D728F90CD6}"/>
-              </a:ext>
-            </a:extLst>
-          </p:cNvPr>
+          <p:cNvPr id="1026" name="Picture 2" descr="Weather Forecast"/>
           <p:cNvPicPr>
             <a:picLocks noChangeAspect="1" noChangeArrowheads="1"/>
           </p:cNvPicPr>
@@ -4782,13 +4254,7 @@
       </p:pic>
       <p:pic>
         <p:nvPicPr>
-          <p:cNvPr id="1028" name="Picture 4" descr="Abstract Strategy Games: The Definitive Guide">
-            <a:extLst>
-              <a:ext uri="{FF2B5EF4-FFF2-40B4-BE49-F238E27FC236}">
-                <a16:creationId xmlns:a16="http://schemas.microsoft.com/office/drawing/2014/main" id="{6EA978FF-A339-029C-5A3B-355A766DF817}"/>
-              </a:ext>
-            </a:extLst>
-          </p:cNvPr>
+          <p:cNvPr id="1028" name="Picture 4" descr="Abstract Strategy Games: The Definitive Guide"/>
           <p:cNvPicPr>
             <a:picLocks noChangeAspect="1" noChangeArrowheads="1"/>
           </p:cNvPicPr>
@@ -4829,13 +4295,7 @@
       </p:pic>
       <p:pic>
         <p:nvPicPr>
-          <p:cNvPr id="1030" name="Picture 6" descr="Is it a Good Strategy to always Bet on your Favorite Team - Star Two">
-            <a:extLst>
-              <a:ext uri="{FF2B5EF4-FFF2-40B4-BE49-F238E27FC236}">
-                <a16:creationId xmlns:a16="http://schemas.microsoft.com/office/drawing/2014/main" id="{6481E0EA-6CBC-5EDA-11C1-07A6C8AB0FBA}"/>
-              </a:ext>
-            </a:extLst>
-          </p:cNvPr>
+          <p:cNvPr id="1030" name="Picture 6" descr="Is it a Good Strategy to always Bet on your Favorite Team - Star Two"/>
           <p:cNvPicPr>
             <a:picLocks noChangeAspect="1" noChangeArrowheads="1"/>
           </p:cNvPicPr>
@@ -4876,13 +4336,7 @@
       </p:pic>
       <p:sp>
         <p:nvSpPr>
-          <p:cNvPr id="3" name="Content Placeholder 2">
-            <a:extLst>
-              <a:ext uri="{FF2B5EF4-FFF2-40B4-BE49-F238E27FC236}">
-                <a16:creationId xmlns:a16="http://schemas.microsoft.com/office/drawing/2014/main" id="{895F0F08-1C43-59D4-EC61-68D23B3188BC}"/>
-              </a:ext>
-            </a:extLst>
-          </p:cNvPr>
+          <p:cNvPr id="3" name="Content Placeholder 2"/>
           <p:cNvSpPr>
             <a:spLocks noGrp="1"/>
           </p:cNvSpPr>
@@ -4962,11 +4416,6 @@
         </p:txBody>
       </p:sp>
     </p:spTree>
-    <p:extLst>
-      <p:ext uri="{BB962C8B-B14F-4D97-AF65-F5344CB8AC3E}">
-        <p14:creationId xmlns:p14="http://schemas.microsoft.com/office/powerpoint/2010/main" val="3846686762"/>
-      </p:ext>
-    </p:extLst>
   </p:cSld>
   <p:clrMapOvr>
     <a:masterClrMapping/>
@@ -5660,88 +5109,515 @@
       </p:grpSpPr>
       <p:sp>
         <p:nvSpPr>
-          <p:cNvPr id="2" name="Title 1">
+          <p:cNvPr id="2" name="Title 1"/>
+          <p:cNvSpPr>
+            <a:spLocks noGrp="1"/>
+          </p:cNvSpPr>
+          <p:nvPr>
+            <p:ph type="title"/>
+          </p:nvPr>
+        </p:nvSpPr>
+        <p:spPr/>
+        <p:txBody>
+          <a:bodyPr/>
+          <a:lstStyle/>
+          <a:p>
+            <a:r>
+              <a:rPr lang="en-US" dirty="0"/>
+              <a:t>Goals</a:t>
+            </a:r>
+          </a:p>
+        </p:txBody>
+      </p:sp>
+      <p:sp>
+        <p:nvSpPr>
+          <p:cNvPr id="3" name="Content Placeholder 2"/>
+          <p:cNvSpPr>
+            <a:spLocks noGrp="1"/>
+          </p:cNvSpPr>
+          <p:nvPr>
+            <p:ph idx="1"/>
+          </p:nvPr>
+        </p:nvSpPr>
+        <p:spPr/>
+        <p:txBody>
+          <a:bodyPr/>
+          <a:lstStyle/>
+          <a:p>
+            <a:r>
+              <a:rPr lang="en-US" dirty="0"/>
+              <a:t>Level I: understand basic concepts</a:t>
+            </a:r>
+          </a:p>
+          <a:p>
+            <a:endParaRPr lang="en-US" dirty="0"/>
+          </a:p>
+          <a:p>
+            <a:r>
+              <a:rPr lang="en-US" dirty="0"/>
+              <a:t>Level II: solve specific probability and statistical problems</a:t>
+            </a:r>
+          </a:p>
+          <a:p>
+            <a:endParaRPr lang="en-US" dirty="0"/>
+          </a:p>
+          <a:p>
+            <a:r>
+              <a:rPr lang="en-US" dirty="0"/>
+              <a:t>Level III: identify the statistical tools when facing a real problem</a:t>
+            </a:r>
+          </a:p>
+        </p:txBody>
+      </p:sp>
+      <p:pic>
+        <p:nvPicPr>
+          <p:cNvPr id="100" name="Picture 99"/>
+          <p:cNvPicPr/>
+          <p:nvPr/>
+        </p:nvPicPr>
+        <p:blipFill>
+          <a:blip r:embed="rId3"/>
+          <a:stretch>
+            <a:fillRect/>
+          </a:stretch>
+        </p:blipFill>
+        <p:spPr>
+          <a:xfrm>
+            <a:off x="6096000" y="3429000"/>
+            <a:ext cx="0" cy="0"/>
+          </a:xfrm>
+          <a:prstGeom prst="rect">
+            <a:avLst/>
+          </a:prstGeom>
+          <a:noFill/>
+          <a:ln w="9525">
+            <a:noFill/>
+          </a:ln>
+        </p:spPr>
+      </p:pic>
+      <p:pic>
+        <p:nvPicPr>
+          <p:cNvPr id="1026" name="Picture 2" descr="pRoBaBiLiTy : r/memes">
             <a:extLst>
               <a:ext uri="{FF2B5EF4-FFF2-40B4-BE49-F238E27FC236}">
-                <a16:creationId xmlns:a16="http://schemas.microsoft.com/office/drawing/2014/main" id="{4CEB0EF6-92B9-4107-0D9F-6805041F944D}"/>
+                <a16:creationId xmlns:a16="http://schemas.microsoft.com/office/drawing/2014/main" id="{CA1211A2-E619-110A-CA26-30498654AEFD}"/>
               </a:ext>
             </a:extLst>
           </p:cNvPr>
-          <p:cNvSpPr>
-            <a:spLocks noGrp="1"/>
-          </p:cNvSpPr>
-          <p:nvPr>
-            <p:ph type="title"/>
-          </p:nvPr>
-        </p:nvSpPr>
-        <p:spPr/>
-        <p:txBody>
-          <a:bodyPr/>
-          <a:lstStyle/>
-          <a:p>
-            <a:r>
-              <a:rPr lang="en-US" dirty="0"/>
-              <a:t>Goals</a:t>
-            </a:r>
-          </a:p>
-        </p:txBody>
-      </p:sp>
-      <p:sp>
-        <p:nvSpPr>
-          <p:cNvPr id="3" name="Content Placeholder 2">
+          <p:cNvPicPr>
+            <a:picLocks noChangeAspect="1" noChangeArrowheads="1"/>
+          </p:cNvPicPr>
+          <p:nvPr/>
+        </p:nvPicPr>
+        <p:blipFill>
+          <a:blip r:embed="rId3">
+            <a:extLst>
+              <a:ext uri="{28A0092B-C50C-407E-A947-70E740481C1C}">
+                <a14:useLocalDpi xmlns:a14="http://schemas.microsoft.com/office/drawing/2010/main" val="0"/>
+              </a:ext>
+            </a:extLst>
+          </a:blip>
+          <a:srcRect/>
+          <a:stretch>
+            <a:fillRect/>
+          </a:stretch>
+        </p:blipFill>
+        <p:spPr bwMode="auto">
+          <a:xfrm>
+            <a:off x="6674979" y="1690688"/>
+            <a:ext cx="5008795" cy="3940629"/>
+          </a:xfrm>
+          <a:prstGeom prst="rect">
+            <a:avLst/>
+          </a:prstGeom>
+          <a:noFill/>
+          <a:extLst>
+            <a:ext uri="{909E8E84-426E-40DD-AFC4-6F175D3DCCD1}">
+              <a14:hiddenFill xmlns:a14="http://schemas.microsoft.com/office/drawing/2010/main">
+                <a:solidFill>
+                  <a:srgbClr val="FFFFFF"/>
+                </a:solidFill>
+              </a14:hiddenFill>
+            </a:ext>
+          </a:extLst>
+        </p:spPr>
+      </p:pic>
+      <p:pic>
+        <p:nvPicPr>
+          <p:cNvPr id="1028" name="Picture 4" descr="Skeptical Baby Meme - Imgflip | Birthday humor, Classroom memes, Happy  birthday meme">
             <a:extLst>
               <a:ext uri="{FF2B5EF4-FFF2-40B4-BE49-F238E27FC236}">
-                <a16:creationId xmlns:a16="http://schemas.microsoft.com/office/drawing/2014/main" id="{3A422F01-5E56-BFB8-AB4E-D9E362E4F7A2}"/>
+                <a16:creationId xmlns:a16="http://schemas.microsoft.com/office/drawing/2014/main" id="{7AC0D05E-9E4E-B504-1CE9-BE66A749C787}"/>
               </a:ext>
             </a:extLst>
           </p:cNvPr>
-          <p:cNvSpPr>
-            <a:spLocks noGrp="1"/>
-          </p:cNvSpPr>
-          <p:nvPr>
-            <p:ph idx="1"/>
-          </p:nvPr>
-        </p:nvSpPr>
-        <p:spPr/>
-        <p:txBody>
-          <a:bodyPr/>
-          <a:lstStyle/>
-          <a:p>
-            <a:r>
-              <a:rPr lang="en-US" dirty="0"/>
-              <a:t>Level I: understand basic concepts</a:t>
-            </a:r>
-          </a:p>
-          <a:p>
-            <a:endParaRPr lang="en-US" dirty="0"/>
-          </a:p>
-          <a:p>
-            <a:r>
-              <a:rPr lang="en-US" dirty="0"/>
-              <a:t>Level II: solve specific probability and statistical problems</a:t>
-            </a:r>
-          </a:p>
-          <a:p>
-            <a:endParaRPr lang="en-US" dirty="0"/>
-          </a:p>
-          <a:p>
-            <a:r>
-              <a:rPr lang="en-US" dirty="0"/>
-              <a:t>Level III: identify the statistical tools when facing a real problem</a:t>
-            </a:r>
-          </a:p>
-        </p:txBody>
-      </p:sp>
+          <p:cNvPicPr>
+            <a:picLocks noChangeAspect="1" noChangeArrowheads="1"/>
+          </p:cNvPicPr>
+          <p:nvPr/>
+        </p:nvPicPr>
+        <p:blipFill>
+          <a:blip r:embed="rId4">
+            <a:extLst>
+              <a:ext uri="{28A0092B-C50C-407E-A947-70E740481C1C}">
+                <a14:useLocalDpi xmlns:a14="http://schemas.microsoft.com/office/drawing/2010/main" val="0"/>
+              </a:ext>
+            </a:extLst>
+          </a:blip>
+          <a:srcRect/>
+          <a:stretch>
+            <a:fillRect/>
+          </a:stretch>
+        </p:blipFill>
+        <p:spPr bwMode="auto">
+          <a:xfrm>
+            <a:off x="7329488" y="1524794"/>
+            <a:ext cx="3915455" cy="4023788"/>
+          </a:xfrm>
+          <a:prstGeom prst="rect">
+            <a:avLst/>
+          </a:prstGeom>
+          <a:noFill/>
+          <a:extLst>
+            <a:ext uri="{909E8E84-426E-40DD-AFC4-6F175D3DCCD1}">
+              <a14:hiddenFill xmlns:a14="http://schemas.microsoft.com/office/drawing/2010/main">
+                <a:solidFill>
+                  <a:srgbClr val="FFFFFF"/>
+                </a:solidFill>
+              </a14:hiddenFill>
+            </a:ext>
+          </a:extLst>
+        </p:spPr>
+      </p:pic>
     </p:spTree>
-    <p:extLst>
-      <p:ext uri="{BB962C8B-B14F-4D97-AF65-F5344CB8AC3E}">
-        <p14:creationId xmlns:p14="http://schemas.microsoft.com/office/powerpoint/2010/main" val="3141149948"/>
-      </p:ext>
-    </p:extLst>
   </p:cSld>
   <p:clrMapOvr>
     <a:masterClrMapping/>
   </p:clrMapOvr>
+  <p:timing>
+    <p:tnLst>
+      <p:par>
+        <p:cTn id="1" dur="indefinite" restart="never" nodeType="tmRoot">
+          <p:childTnLst>
+            <p:seq concurrent="1" nextAc="seek">
+              <p:cTn id="2" dur="indefinite" nodeType="mainSeq">
+                <p:childTnLst>
+                  <p:par>
+                    <p:cTn id="3" fill="hold">
+                      <p:stCondLst>
+                        <p:cond delay="indefinite"/>
+                      </p:stCondLst>
+                      <p:childTnLst>
+                        <p:par>
+                          <p:cTn id="4" fill="hold">
+                            <p:stCondLst>
+                              <p:cond delay="0"/>
+                            </p:stCondLst>
+                            <p:childTnLst>
+                              <p:par>
+                                <p:cTn id="5" presetID="1" presetClass="entr" presetSubtype="0" fill="hold" nodeType="clickEffect">
+                                  <p:stCondLst>
+                                    <p:cond delay="0"/>
+                                  </p:stCondLst>
+                                  <p:childTnLst>
+                                    <p:set>
+                                      <p:cBhvr>
+                                        <p:cTn id="6" dur="1" fill="hold">
+                                          <p:stCondLst>
+                                            <p:cond delay="0"/>
+                                          </p:stCondLst>
+                                        </p:cTn>
+                                        <p:tgtEl>
+                                          <p:spTgt spid="1026"/>
+                                        </p:tgtEl>
+                                        <p:attrNameLst>
+                                          <p:attrName>style.visibility</p:attrName>
+                                        </p:attrNameLst>
+                                      </p:cBhvr>
+                                      <p:to>
+                                        <p:strVal val="visible"/>
+                                      </p:to>
+                                    </p:set>
+                                  </p:childTnLst>
+                                </p:cTn>
+                              </p:par>
+                            </p:childTnLst>
+                          </p:cTn>
+                        </p:par>
+                      </p:childTnLst>
+                    </p:cTn>
+                  </p:par>
+                  <p:par>
+                    <p:cTn id="7" fill="hold">
+                      <p:stCondLst>
+                        <p:cond delay="indefinite"/>
+                      </p:stCondLst>
+                      <p:childTnLst>
+                        <p:par>
+                          <p:cTn id="8" fill="hold">
+                            <p:stCondLst>
+                              <p:cond delay="0"/>
+                            </p:stCondLst>
+                            <p:childTnLst>
+                              <p:par>
+                                <p:cTn id="9" presetID="3" presetClass="exit" presetSubtype="10" fill="hold" nodeType="clickEffect">
+                                  <p:stCondLst>
+                                    <p:cond delay="0"/>
+                                  </p:stCondLst>
+                                  <p:childTnLst>
+                                    <p:animEffect transition="out" filter="blinds(horizontal)">
+                                      <p:cBhvr>
+                                        <p:cTn id="10" dur="500"/>
+                                        <p:tgtEl>
+                                          <p:spTgt spid="1026"/>
+                                        </p:tgtEl>
+                                      </p:cBhvr>
+                                    </p:animEffect>
+                                    <p:set>
+                                      <p:cBhvr>
+                                        <p:cTn id="11" dur="1" fill="hold">
+                                          <p:stCondLst>
+                                            <p:cond delay="499"/>
+                                          </p:stCondLst>
+                                        </p:cTn>
+                                        <p:tgtEl>
+                                          <p:spTgt spid="1026"/>
+                                        </p:tgtEl>
+                                        <p:attrNameLst>
+                                          <p:attrName>style.visibility</p:attrName>
+                                        </p:attrNameLst>
+                                      </p:cBhvr>
+                                      <p:to>
+                                        <p:strVal val="hidden"/>
+                                      </p:to>
+                                    </p:set>
+                                  </p:childTnLst>
+                                </p:cTn>
+                              </p:par>
+                            </p:childTnLst>
+                          </p:cTn>
+                        </p:par>
+                      </p:childTnLst>
+                    </p:cTn>
+                  </p:par>
+                  <p:par>
+                    <p:cTn id="12" fill="hold">
+                      <p:stCondLst>
+                        <p:cond delay="indefinite"/>
+                      </p:stCondLst>
+                      <p:childTnLst>
+                        <p:par>
+                          <p:cTn id="13" fill="hold">
+                            <p:stCondLst>
+                              <p:cond delay="0"/>
+                            </p:stCondLst>
+                            <p:childTnLst>
+                              <p:par>
+                                <p:cTn id="14" presetID="1" presetClass="entr" presetSubtype="0" fill="hold" nodeType="clickEffect">
+                                  <p:stCondLst>
+                                    <p:cond delay="0"/>
+                                  </p:stCondLst>
+                                  <p:childTnLst>
+                                    <p:set>
+                                      <p:cBhvr>
+                                        <p:cTn id="15" dur="1" fill="hold">
+                                          <p:stCondLst>
+                                            <p:cond delay="0"/>
+                                          </p:stCondLst>
+                                        </p:cTn>
+                                        <p:tgtEl>
+                                          <p:spTgt spid="1028"/>
+                                        </p:tgtEl>
+                                        <p:attrNameLst>
+                                          <p:attrName>style.visibility</p:attrName>
+                                        </p:attrNameLst>
+                                      </p:cBhvr>
+                                      <p:to>
+                                        <p:strVal val="visible"/>
+                                      </p:to>
+                                    </p:set>
+                                  </p:childTnLst>
+                                </p:cTn>
+                              </p:par>
+                            </p:childTnLst>
+                          </p:cTn>
+                        </p:par>
+                      </p:childTnLst>
+                    </p:cTn>
+                  </p:par>
+                  <p:par>
+                    <p:cTn id="16" fill="hold">
+                      <p:stCondLst>
+                        <p:cond delay="indefinite"/>
+                      </p:stCondLst>
+                      <p:childTnLst>
+                        <p:par>
+                          <p:cTn id="17" fill="hold">
+                            <p:stCondLst>
+                              <p:cond delay="0"/>
+                            </p:stCondLst>
+                            <p:childTnLst>
+                              <p:par>
+                                <p:cTn id="18" presetID="3" presetClass="exit" presetSubtype="10" fill="hold" nodeType="clickEffect">
+                                  <p:stCondLst>
+                                    <p:cond delay="0"/>
+                                  </p:stCondLst>
+                                  <p:childTnLst>
+                                    <p:animEffect transition="out" filter="blinds(horizontal)">
+                                      <p:cBhvr>
+                                        <p:cTn id="19" dur="500"/>
+                                        <p:tgtEl>
+                                          <p:spTgt spid="1028"/>
+                                        </p:tgtEl>
+                                      </p:cBhvr>
+                                    </p:animEffect>
+                                    <p:set>
+                                      <p:cBhvr>
+                                        <p:cTn id="20" dur="1" fill="hold">
+                                          <p:stCondLst>
+                                            <p:cond delay="499"/>
+                                          </p:stCondLst>
+                                        </p:cTn>
+                                        <p:tgtEl>
+                                          <p:spTgt spid="1028"/>
+                                        </p:tgtEl>
+                                        <p:attrNameLst>
+                                          <p:attrName>style.visibility</p:attrName>
+                                        </p:attrNameLst>
+                                      </p:cBhvr>
+                                      <p:to>
+                                        <p:strVal val="hidden"/>
+                                      </p:to>
+                                    </p:set>
+                                  </p:childTnLst>
+                                </p:cTn>
+                              </p:par>
+                            </p:childTnLst>
+                          </p:cTn>
+                        </p:par>
+                      </p:childTnLst>
+                    </p:cTn>
+                  </p:par>
+                  <p:par>
+                    <p:cTn id="21" fill="hold">
+                      <p:stCondLst>
+                        <p:cond delay="indefinite"/>
+                      </p:stCondLst>
+                      <p:childTnLst>
+                        <p:par>
+                          <p:cTn id="22" fill="hold">
+                            <p:stCondLst>
+                              <p:cond delay="0"/>
+                            </p:stCondLst>
+                            <p:childTnLst>
+                              <p:par>
+                                <p:cTn id="23" presetID="1" presetClass="entr" presetSubtype="0" fill="hold" nodeType="clickEffect">
+                                  <p:stCondLst>
+                                    <p:cond delay="0"/>
+                                  </p:stCondLst>
+                                  <p:childTnLst>
+                                    <p:set>
+                                      <p:cBhvr>
+                                        <p:cTn id="24" dur="1" fill="hold">
+                                          <p:stCondLst>
+                                            <p:cond delay="0"/>
+                                          </p:stCondLst>
+                                        </p:cTn>
+                                        <p:tgtEl>
+                                          <p:spTgt spid="3">
+                                            <p:txEl>
+                                              <p:pRg st="2" end="2"/>
+                                            </p:txEl>
+                                          </p:spTgt>
+                                        </p:tgtEl>
+                                        <p:attrNameLst>
+                                          <p:attrName>style.visibility</p:attrName>
+                                        </p:attrNameLst>
+                                      </p:cBhvr>
+                                      <p:to>
+                                        <p:strVal val="visible"/>
+                                      </p:to>
+                                    </p:set>
+                                  </p:childTnLst>
+                                </p:cTn>
+                              </p:par>
+                            </p:childTnLst>
+                          </p:cTn>
+                        </p:par>
+                      </p:childTnLst>
+                    </p:cTn>
+                  </p:par>
+                  <p:par>
+                    <p:cTn id="25" fill="hold">
+                      <p:stCondLst>
+                        <p:cond delay="indefinite"/>
+                      </p:stCondLst>
+                      <p:childTnLst>
+                        <p:par>
+                          <p:cTn id="26" fill="hold">
+                            <p:stCondLst>
+                              <p:cond delay="0"/>
+                            </p:stCondLst>
+                            <p:childTnLst>
+                              <p:par>
+                                <p:cTn id="27" presetID="1" presetClass="entr" presetSubtype="0" fill="hold" nodeType="clickEffect">
+                                  <p:stCondLst>
+                                    <p:cond delay="0"/>
+                                  </p:stCondLst>
+                                  <p:childTnLst>
+                                    <p:set>
+                                      <p:cBhvr>
+                                        <p:cTn id="28" dur="1" fill="hold">
+                                          <p:stCondLst>
+                                            <p:cond delay="0"/>
+                                          </p:stCondLst>
+                                        </p:cTn>
+                                        <p:tgtEl>
+                                          <p:spTgt spid="3">
+                                            <p:txEl>
+                                              <p:pRg st="4" end="4"/>
+                                            </p:txEl>
+                                          </p:spTgt>
+                                        </p:tgtEl>
+                                        <p:attrNameLst>
+                                          <p:attrName>style.visibility</p:attrName>
+                                        </p:attrNameLst>
+                                      </p:cBhvr>
+                                      <p:to>
+                                        <p:strVal val="visible"/>
+                                      </p:to>
+                                    </p:set>
+                                  </p:childTnLst>
+                                </p:cTn>
+                              </p:par>
+                            </p:childTnLst>
+                          </p:cTn>
+                        </p:par>
+                      </p:childTnLst>
+                    </p:cTn>
+                  </p:par>
+                </p:childTnLst>
+              </p:cTn>
+              <p:prevCondLst>
+                <p:cond evt="onPrev" delay="0">
+                  <p:tgtEl>
+                    <p:sldTgt/>
+                  </p:tgtEl>
+                </p:cond>
+              </p:prevCondLst>
+              <p:nextCondLst>
+                <p:cond evt="onNext" delay="0">
+                  <p:tgtEl>
+                    <p:sldTgt/>
+                  </p:tgtEl>
+                </p:cond>
+              </p:nextCondLst>
+            </p:seq>
+          </p:childTnLst>
+        </p:cTn>
+      </p:par>
+    </p:tnLst>
+  </p:timing>
 </p:sld>
 </file>
 
@@ -5764,13 +5640,7 @@
       </p:grpSpPr>
       <p:sp>
         <p:nvSpPr>
-          <p:cNvPr id="2" name="Title 1">
-            <a:extLst>
-              <a:ext uri="{FF2B5EF4-FFF2-40B4-BE49-F238E27FC236}">
-                <a16:creationId xmlns:a16="http://schemas.microsoft.com/office/drawing/2014/main" id="{E571FC5D-1F07-5151-4AAA-325E4276720B}"/>
-              </a:ext>
-            </a:extLst>
-          </p:cNvPr>
+          <p:cNvPr id="2" name="Title 1"/>
           <p:cNvSpPr>
             <a:spLocks noGrp="1"/>
           </p:cNvSpPr>
@@ -5792,13 +5662,7 @@
       </p:sp>
       <p:sp>
         <p:nvSpPr>
-          <p:cNvPr id="3" name="Content Placeholder 2">
-            <a:extLst>
-              <a:ext uri="{FF2B5EF4-FFF2-40B4-BE49-F238E27FC236}">
-                <a16:creationId xmlns:a16="http://schemas.microsoft.com/office/drawing/2014/main" id="{35CD7319-0387-8BCB-EAD4-4BBC6E5BF4AC}"/>
-              </a:ext>
-            </a:extLst>
-          </p:cNvPr>
+          <p:cNvPr id="3" name="Content Placeholder 2"/>
           <p:cNvSpPr>
             <a:spLocks noGrp="1"/>
           </p:cNvSpPr>
@@ -5813,7 +5677,7 @@
           <a:p>
             <a:r>
               <a:rPr lang="en-US" dirty="0">
-                <a:hlinkClick r:id="rId3" action="ppaction://hlinkfile"/>
+                <a:hlinkClick r:id="rId3"/>
               </a:rPr>
               <a:t>Link to syllabus</a:t>
             </a:r>
@@ -5822,97 +5686,6 @@
         </p:txBody>
       </p:sp>
     </p:spTree>
-    <p:extLst>
-      <p:ext uri="{BB962C8B-B14F-4D97-AF65-F5344CB8AC3E}">
-        <p14:creationId xmlns:p14="http://schemas.microsoft.com/office/powerpoint/2010/main" val="3825135895"/>
-      </p:ext>
-    </p:extLst>
-  </p:cSld>
-  <p:clrMapOvr>
-    <a:masterClrMapping/>
-  </p:clrMapOvr>
-</p:sld>
-</file>
-
-<file path=ppt/slides/slide6.xml><?xml version="1.0" encoding="utf-8"?>
-<p:sld xmlns:a="http://schemas.openxmlformats.org/drawingml/2006/main" xmlns:r="http://schemas.openxmlformats.org/officeDocument/2006/relationships" xmlns:p="http://schemas.openxmlformats.org/presentationml/2006/main">
-  <p:cSld>
-    <p:spTree>
-      <p:nvGrpSpPr>
-        <p:cNvPr id="1" name=""/>
-        <p:cNvGrpSpPr/>
-        <p:nvPr/>
-      </p:nvGrpSpPr>
-      <p:grpSpPr>
-        <a:xfrm>
-          <a:off x="0" y="0"/>
-          <a:ext cx="0" cy="0"/>
-          <a:chOff x="0" y="0"/>
-          <a:chExt cx="0" cy="0"/>
-        </a:xfrm>
-      </p:grpSpPr>
-      <p:sp>
-        <p:nvSpPr>
-          <p:cNvPr id="2" name="Title 1">
-            <a:extLst>
-              <a:ext uri="{FF2B5EF4-FFF2-40B4-BE49-F238E27FC236}">
-                <a16:creationId xmlns:a16="http://schemas.microsoft.com/office/drawing/2014/main" id="{F3C0DF83-2E7C-3F87-D49A-44A8B15C614F}"/>
-              </a:ext>
-            </a:extLst>
-          </p:cNvPr>
-          <p:cNvSpPr>
-            <a:spLocks noGrp="1"/>
-          </p:cNvSpPr>
-          <p:nvPr>
-            <p:ph type="title"/>
-          </p:nvPr>
-        </p:nvSpPr>
-        <p:spPr/>
-        <p:txBody>
-          <a:bodyPr/>
-          <a:lstStyle/>
-          <a:p>
-            <a:r>
-              <a:rPr lang="en-US" dirty="0"/>
-              <a:t>What</a:t>
-            </a:r>
-          </a:p>
-        </p:txBody>
-      </p:sp>
-      <p:sp>
-        <p:nvSpPr>
-          <p:cNvPr id="3" name="Content Placeholder 2">
-            <a:extLst>
-              <a:ext uri="{FF2B5EF4-FFF2-40B4-BE49-F238E27FC236}">
-                <a16:creationId xmlns:a16="http://schemas.microsoft.com/office/drawing/2014/main" id="{B26FA711-6F4D-796B-B030-DE250D9A0898}"/>
-              </a:ext>
-            </a:extLst>
-          </p:cNvPr>
-          <p:cNvSpPr>
-            <a:spLocks noGrp="1"/>
-          </p:cNvSpPr>
-          <p:nvPr>
-            <p:ph idx="1"/>
-          </p:nvPr>
-        </p:nvSpPr>
-        <p:spPr/>
-        <p:txBody>
-          <a:bodyPr/>
-          <a:lstStyle/>
-          <a:p>
-            <a:r>
-              <a:rPr lang="en-US" dirty="0"/>
-              <a:t>Quantifying uncertainty</a:t>
-            </a:r>
-          </a:p>
-        </p:txBody>
-      </p:sp>
-    </p:spTree>
-    <p:extLst>
-      <p:ext uri="{BB962C8B-B14F-4D97-AF65-F5344CB8AC3E}">
-        <p14:creationId xmlns:p14="http://schemas.microsoft.com/office/powerpoint/2010/main" val="3805524800"/>
-      </p:ext>
-    </p:extLst>
   </p:cSld>
   <p:clrMapOvr>
     <a:masterClrMapping/>
@@ -5963,7 +5736,7 @@
     </a:clrScheme>
     <a:fontScheme name="Office">
       <a:majorFont>
-        <a:latin typeface="Calibri Light" panose="020F0302020204030204"/>
+        <a:latin typeface="Calibri Light"/>
         <a:ea typeface=""/>
         <a:cs typeface=""/>
         <a:font script="Jpan" typeface="游ゴシック Light"/>
@@ -5996,26 +5769,9 @@
         <a:font script="Viet" typeface="Times New Roman"/>
         <a:font script="Uigh" typeface="Microsoft Uighur"/>
         <a:font script="Geor" typeface="Sylfaen"/>
-        <a:font script="Armn" typeface="Arial"/>
-        <a:font script="Bugi" typeface="Leelawadee UI"/>
-        <a:font script="Bopo" typeface="Microsoft JhengHei"/>
-        <a:font script="Java" typeface="Javanese Text"/>
-        <a:font script="Lisu" typeface="Segoe UI"/>
-        <a:font script="Mymr" typeface="Myanmar Text"/>
-        <a:font script="Nkoo" typeface="Ebrima"/>
-        <a:font script="Olck" typeface="Nirmala UI"/>
-        <a:font script="Osma" typeface="Ebrima"/>
-        <a:font script="Phag" typeface="Phagspa"/>
-        <a:font script="Syrn" typeface="Estrangelo Edessa"/>
-        <a:font script="Syrj" typeface="Estrangelo Edessa"/>
-        <a:font script="Syre" typeface="Estrangelo Edessa"/>
-        <a:font script="Sora" typeface="Nirmala UI"/>
-        <a:font script="Tale" typeface="Microsoft Tai Le"/>
-        <a:font script="Talu" typeface="Microsoft New Tai Lue"/>
-        <a:font script="Tfng" typeface="Ebrima"/>
       </a:majorFont>
       <a:minorFont>
-        <a:latin typeface="Calibri" panose="020F0502020204030204"/>
+        <a:latin typeface="Calibri"/>
         <a:ea typeface=""/>
         <a:cs typeface=""/>
         <a:font script="Jpan" typeface="游ゴシック"/>
@@ -6048,23 +5804,6 @@
         <a:font script="Viet" typeface="Arial"/>
         <a:font script="Uigh" typeface="Microsoft Uighur"/>
         <a:font script="Geor" typeface="Sylfaen"/>
-        <a:font script="Armn" typeface="Arial"/>
-        <a:font script="Bugi" typeface="Leelawadee UI"/>
-        <a:font script="Bopo" typeface="Microsoft JhengHei"/>
-        <a:font script="Java" typeface="Javanese Text"/>
-        <a:font script="Lisu" typeface="Segoe UI"/>
-        <a:font script="Mymr" typeface="Myanmar Text"/>
-        <a:font script="Nkoo" typeface="Ebrima"/>
-        <a:font script="Olck" typeface="Nirmala UI"/>
-        <a:font script="Osma" typeface="Ebrima"/>
-        <a:font script="Phag" typeface="Phagspa"/>
-        <a:font script="Syrn" typeface="Estrangelo Edessa"/>
-        <a:font script="Syrj" typeface="Estrangelo Edessa"/>
-        <a:font script="Syre" typeface="Estrangelo Edessa"/>
-        <a:font script="Sora" typeface="Nirmala UI"/>
-        <a:font script="Tale" typeface="Microsoft Tai Le"/>
-        <a:font script="Talu" typeface="Microsoft New Tai Lue"/>
-        <a:font script="Tfng" typeface="Ebrima"/>
       </a:minorFont>
     </a:fontScheme>
     <a:fmtScheme name="Office">
@@ -6258,7 +5997,7 @@
     </a:clrScheme>
     <a:fontScheme name="Office">
       <a:majorFont>
-        <a:latin typeface="Calibri Light" panose="020F0302020204030204"/>
+        <a:latin typeface="Calibri Light"/>
         <a:ea typeface=""/>
         <a:cs typeface=""/>
         <a:font script="Jpan" typeface="游ゴシック Light"/>
@@ -6291,26 +6030,9 @@
         <a:font script="Viet" typeface="Times New Roman"/>
         <a:font script="Uigh" typeface="Microsoft Uighur"/>
         <a:font script="Geor" typeface="Sylfaen"/>
-        <a:font script="Armn" typeface="Arial"/>
-        <a:font script="Bugi" typeface="Leelawadee UI"/>
-        <a:font script="Bopo" typeface="Microsoft JhengHei"/>
-        <a:font script="Java" typeface="Javanese Text"/>
-        <a:font script="Lisu" typeface="Segoe UI"/>
-        <a:font script="Mymr" typeface="Myanmar Text"/>
-        <a:font script="Nkoo" typeface="Ebrima"/>
-        <a:font script="Olck" typeface="Nirmala UI"/>
-        <a:font script="Osma" typeface="Ebrima"/>
-        <a:font script="Phag" typeface="Phagspa"/>
-        <a:font script="Syrn" typeface="Estrangelo Edessa"/>
-        <a:font script="Syrj" typeface="Estrangelo Edessa"/>
-        <a:font script="Syre" typeface="Estrangelo Edessa"/>
-        <a:font script="Sora" typeface="Nirmala UI"/>
-        <a:font script="Tale" typeface="Microsoft Tai Le"/>
-        <a:font script="Talu" typeface="Microsoft New Tai Lue"/>
-        <a:font script="Tfng" typeface="Ebrima"/>
       </a:majorFont>
       <a:minorFont>
-        <a:latin typeface="Calibri" panose="020F0502020204030204"/>
+        <a:latin typeface="Calibri"/>
         <a:ea typeface=""/>
         <a:cs typeface=""/>
         <a:font script="Jpan" typeface="游ゴシック"/>
@@ -6343,23 +6065,6 @@
         <a:font script="Viet" typeface="Arial"/>
         <a:font script="Uigh" typeface="Microsoft Uighur"/>
         <a:font script="Geor" typeface="Sylfaen"/>
-        <a:font script="Armn" typeface="Arial"/>
-        <a:font script="Bugi" typeface="Leelawadee UI"/>
-        <a:font script="Bopo" typeface="Microsoft JhengHei"/>
-        <a:font script="Java" typeface="Javanese Text"/>
-        <a:font script="Lisu" typeface="Segoe UI"/>
-        <a:font script="Mymr" typeface="Myanmar Text"/>
-        <a:font script="Nkoo" typeface="Ebrima"/>
-        <a:font script="Olck" typeface="Nirmala UI"/>
-        <a:font script="Osma" typeface="Ebrima"/>
-        <a:font script="Phag" typeface="Phagspa"/>
-        <a:font script="Syrn" typeface="Estrangelo Edessa"/>
-        <a:font script="Syrj" typeface="Estrangelo Edessa"/>
-        <a:font script="Syre" typeface="Estrangelo Edessa"/>
-        <a:font script="Sora" typeface="Nirmala UI"/>
-        <a:font script="Tale" typeface="Microsoft Tai Le"/>
-        <a:font script="Talu" typeface="Microsoft New Tai Lue"/>
-        <a:font script="Tfng" typeface="Ebrima"/>
       </a:minorFont>
     </a:fontScheme>
     <a:fmtScheme name="Office">
